--- a/Lab_3/Pristatymas.pptx
+++ b/Lab_3/Pristatymas.pptx
@@ -22,9 +22,15 @@
     <p:sldId id="265" r:id="rId16"/>
     <p:sldId id="273" r:id="rId17"/>
     <p:sldId id="274" r:id="rId18"/>
-    <p:sldId id="276" r:id="rId19"/>
-    <p:sldId id="277" r:id="rId20"/>
-    <p:sldId id="269" r:id="rId21"/>
+    <p:sldId id="282" r:id="rId19"/>
+    <p:sldId id="278" r:id="rId20"/>
+    <p:sldId id="283" r:id="rId21"/>
+    <p:sldId id="276" r:id="rId22"/>
+    <p:sldId id="277" r:id="rId23"/>
+    <p:sldId id="281" r:id="rId24"/>
+    <p:sldId id="279" r:id="rId25"/>
+    <p:sldId id="280" r:id="rId26"/>
+    <p:sldId id="269" r:id="rId27"/>
   </p:sldIdLst>
   <p:sldSz cx="12192000" cy="6858000"/>
   <p:notesSz cx="6858000" cy="9144000"/>
@@ -270,7 +276,7 @@
           <a:p>
             <a:fld id="{6F4E3E68-314E-4E62-AA8A-BE3F20F81523}" type="datetimeFigureOut">
               <a:rPr lang="en-US" smtClean="0"/>
-              <a:t>4/26/2022</a:t>
+              <a:t>4/27/2022</a:t>
             </a:fld>
             <a:endParaRPr lang="en-US"/>
           </a:p>
@@ -440,7 +446,7 @@
           <a:p>
             <a:fld id="{6F4E3E68-314E-4E62-AA8A-BE3F20F81523}" type="datetimeFigureOut">
               <a:rPr lang="en-US" smtClean="0"/>
-              <a:t>4/26/2022</a:t>
+              <a:t>4/27/2022</a:t>
             </a:fld>
             <a:endParaRPr lang="en-US"/>
           </a:p>
@@ -620,7 +626,7 @@
           <a:p>
             <a:fld id="{6F4E3E68-314E-4E62-AA8A-BE3F20F81523}" type="datetimeFigureOut">
               <a:rPr lang="en-US" smtClean="0"/>
-              <a:t>4/26/2022</a:t>
+              <a:t>4/27/2022</a:t>
             </a:fld>
             <a:endParaRPr lang="en-US"/>
           </a:p>
@@ -790,7 +796,7 @@
           <a:p>
             <a:fld id="{6F4E3E68-314E-4E62-AA8A-BE3F20F81523}" type="datetimeFigureOut">
               <a:rPr lang="en-US" smtClean="0"/>
-              <a:t>4/26/2022</a:t>
+              <a:t>4/27/2022</a:t>
             </a:fld>
             <a:endParaRPr lang="en-US"/>
           </a:p>
@@ -1036,7 +1042,7 @@
           <a:p>
             <a:fld id="{6F4E3E68-314E-4E62-AA8A-BE3F20F81523}" type="datetimeFigureOut">
               <a:rPr lang="en-US" smtClean="0"/>
-              <a:t>4/26/2022</a:t>
+              <a:t>4/27/2022</a:t>
             </a:fld>
             <a:endParaRPr lang="en-US"/>
           </a:p>
@@ -1268,7 +1274,7 @@
           <a:p>
             <a:fld id="{6F4E3E68-314E-4E62-AA8A-BE3F20F81523}" type="datetimeFigureOut">
               <a:rPr lang="en-US" smtClean="0"/>
-              <a:t>4/26/2022</a:t>
+              <a:t>4/27/2022</a:t>
             </a:fld>
             <a:endParaRPr lang="en-US"/>
           </a:p>
@@ -1635,7 +1641,7 @@
           <a:p>
             <a:fld id="{6F4E3E68-314E-4E62-AA8A-BE3F20F81523}" type="datetimeFigureOut">
               <a:rPr lang="en-US" smtClean="0"/>
-              <a:t>4/26/2022</a:t>
+              <a:t>4/27/2022</a:t>
             </a:fld>
             <a:endParaRPr lang="en-US"/>
           </a:p>
@@ -1753,7 +1759,7 @@
           <a:p>
             <a:fld id="{6F4E3E68-314E-4E62-AA8A-BE3F20F81523}" type="datetimeFigureOut">
               <a:rPr lang="en-US" smtClean="0"/>
-              <a:t>4/26/2022</a:t>
+              <a:t>4/27/2022</a:t>
             </a:fld>
             <a:endParaRPr lang="en-US"/>
           </a:p>
@@ -1848,7 +1854,7 @@
           <a:p>
             <a:fld id="{6F4E3E68-314E-4E62-AA8A-BE3F20F81523}" type="datetimeFigureOut">
               <a:rPr lang="en-US" smtClean="0"/>
-              <a:t>4/26/2022</a:t>
+              <a:t>4/27/2022</a:t>
             </a:fld>
             <a:endParaRPr lang="en-US"/>
           </a:p>
@@ -2125,7 +2131,7 @@
           <a:p>
             <a:fld id="{6F4E3E68-314E-4E62-AA8A-BE3F20F81523}" type="datetimeFigureOut">
               <a:rPr lang="en-US" smtClean="0"/>
-              <a:t>4/26/2022</a:t>
+              <a:t>4/27/2022</a:t>
             </a:fld>
             <a:endParaRPr lang="en-US"/>
           </a:p>
@@ -2378,7 +2384,7 @@
           <a:p>
             <a:fld id="{6F4E3E68-314E-4E62-AA8A-BE3F20F81523}" type="datetimeFigureOut">
               <a:rPr lang="en-US" smtClean="0"/>
-              <a:t>4/26/2022</a:t>
+              <a:t>4/27/2022</a:t>
             </a:fld>
             <a:endParaRPr lang="en-US"/>
           </a:p>
@@ -2591,7 +2597,7 @@
           <a:p>
             <a:fld id="{6F4E3E68-314E-4E62-AA8A-BE3F20F81523}" type="datetimeFigureOut">
               <a:rPr lang="en-US" smtClean="0"/>
-              <a:t>4/26/2022</a:t>
+              <a:t>4/27/2022</a:t>
             </a:fld>
             <a:endParaRPr lang="en-US"/>
           </a:p>
@@ -3806,7 +3812,7 @@
           <a:lstStyle/>
           <a:p>
             <a:r>
-              <a:rPr lang="en-US" sz="2200" err="1">
+              <a:rPr lang="en-US" sz="2200" dirty="0" err="1">
                 <a:cs typeface="Calibri"/>
               </a:rPr>
               <a:t>Klasteriai</a:t>
@@ -3818,7 +3824,7 @@
               <a:t> </a:t>
             </a:r>
             <a:r>
-              <a:rPr lang="en-US" sz="2200" err="1">
+              <a:rPr lang="en-US" sz="2200" dirty="0" err="1">
                 <a:cs typeface="Calibri"/>
               </a:rPr>
               <a:t>stabilūs</a:t>
@@ -3830,7 +3836,7 @@
               <a:t> - </a:t>
             </a:r>
             <a:r>
-              <a:rPr lang="en-US" sz="2200" err="1">
+              <a:rPr lang="en-US" sz="2200" dirty="0" err="1">
                 <a:cs typeface="Calibri"/>
               </a:rPr>
               <a:t>gaunami</a:t>
@@ -3842,7 +3848,7 @@
               <a:t> </a:t>
             </a:r>
             <a:r>
-              <a:rPr lang="en-US" sz="2200" err="1">
+              <a:rPr lang="en-US" sz="2200" dirty="0" err="1">
                 <a:cs typeface="Calibri"/>
               </a:rPr>
               <a:t>tokie</a:t>
@@ -3854,7 +3860,7 @@
               <a:t> </a:t>
             </a:r>
             <a:r>
-              <a:rPr lang="en-US" sz="2200" err="1">
+              <a:rPr lang="en-US" sz="2200" dirty="0" err="1">
                 <a:cs typeface="Calibri"/>
               </a:rPr>
               <a:t>patys</a:t>
@@ -3866,7 +3872,7 @@
               <a:t> </a:t>
             </a:r>
             <a:r>
-              <a:rPr lang="en-US" sz="2200" err="1">
+              <a:rPr lang="en-US" sz="2200" dirty="0" err="1">
                 <a:cs typeface="Calibri"/>
               </a:rPr>
               <a:t>rezultatai</a:t>
@@ -3878,7 +3884,7 @@
               <a:t> </a:t>
             </a:r>
             <a:r>
-              <a:rPr lang="en-US" sz="2200" err="1">
+              <a:rPr lang="en-US" sz="2200" dirty="0" err="1">
                 <a:cs typeface="Calibri"/>
               </a:rPr>
               <a:t>prieš</a:t>
@@ -3890,7 +3896,7 @@
               <a:t> tai </a:t>
             </a:r>
             <a:r>
-              <a:rPr lang="en-US" sz="2200" err="1">
+              <a:rPr lang="en-US" sz="2200" dirty="0" err="1">
                 <a:cs typeface="Calibri"/>
               </a:rPr>
               <a:t>sumažinus</a:t>
@@ -3902,7 +3908,7 @@
               <a:t> </a:t>
             </a:r>
             <a:r>
-              <a:rPr lang="en-US" sz="2200" err="1">
+              <a:rPr lang="en-US" sz="2200" dirty="0" err="1">
                 <a:cs typeface="Calibri"/>
               </a:rPr>
               <a:t>duomenų</a:t>
@@ -3914,7 +3920,7 @@
               <a:t> </a:t>
             </a:r>
             <a:r>
-              <a:rPr lang="en-US" sz="2200" err="1">
+              <a:rPr lang="en-US" sz="2200" dirty="0" err="1">
                 <a:cs typeface="Calibri"/>
               </a:rPr>
               <a:t>dimensiją</a:t>
@@ -3926,7 +3932,7 @@
               <a:t> </a:t>
             </a:r>
             <a:r>
-              <a:rPr lang="en-US" sz="2200" err="1">
+              <a:rPr lang="en-US" sz="2200" dirty="0" err="1">
                 <a:cs typeface="Calibri"/>
               </a:rPr>
               <a:t>ir</a:t>
@@ -3938,7 +3944,7 @@
               <a:t> to </a:t>
             </a:r>
             <a:r>
-              <a:rPr lang="en-US" sz="2200" err="1">
+              <a:rPr lang="en-US" sz="2200" dirty="0" err="1">
                 <a:cs typeface="Calibri"/>
               </a:rPr>
               <a:t>nedarant</a:t>
@@ -3963,7 +3969,7 @@
               <a:t>Be to, </a:t>
             </a:r>
             <a:r>
-              <a:rPr lang="en-US" sz="2200" err="1">
+              <a:rPr lang="en-US" sz="2200" dirty="0" err="1">
                 <a:cs typeface="Calibri"/>
               </a:rPr>
               <a:t>vizualizavus</a:t>
@@ -3975,7 +3981,7 @@
               <a:t> </a:t>
             </a:r>
             <a:r>
-              <a:rPr lang="en-US" sz="2200" err="1">
+              <a:rPr lang="en-US" sz="2200" dirty="0" err="1">
                 <a:cs typeface="Calibri"/>
               </a:rPr>
               <a:t>sumažintos</a:t>
@@ -3987,7 +3993,7 @@
               <a:t> </a:t>
             </a:r>
             <a:r>
-              <a:rPr lang="en-US" sz="2200" err="1">
+              <a:rPr lang="en-US" sz="2200" dirty="0" err="1">
                 <a:cs typeface="Calibri"/>
               </a:rPr>
               <a:t>dimensijos</a:t>
@@ -3999,7 +4005,7 @@
               <a:t> </a:t>
             </a:r>
             <a:r>
-              <a:rPr lang="en-US" sz="2200" err="1">
+              <a:rPr lang="en-US" sz="2200" dirty="0" err="1">
                 <a:cs typeface="Calibri"/>
               </a:rPr>
               <a:t>erdvėje</a:t>
@@ -4011,7 +4017,7 @@
               <a:t> </a:t>
             </a:r>
             <a:r>
-              <a:rPr lang="en-US" sz="2200" err="1">
+              <a:rPr lang="en-US" sz="2200" dirty="0" err="1">
                 <a:cs typeface="Calibri"/>
               </a:rPr>
               <a:t>nėra</a:t>
@@ -4023,7 +4029,7 @@
               <a:t> </a:t>
             </a:r>
             <a:r>
-              <a:rPr lang="en-US" sz="2200" err="1">
+              <a:rPr lang="en-US" sz="2200" dirty="0" err="1">
                 <a:cs typeface="Calibri"/>
               </a:rPr>
               <a:t>daug</a:t>
@@ -4035,7 +4041,7 @@
               <a:t> </a:t>
             </a:r>
             <a:r>
-              <a:rPr lang="en-US" sz="2200" err="1">
+              <a:rPr lang="en-US" sz="2200" dirty="0" err="1">
                 <a:cs typeface="Calibri"/>
               </a:rPr>
               <a:t>duomenų</a:t>
@@ -4047,7 +4053,7 @@
               <a:t> </a:t>
             </a:r>
             <a:r>
-              <a:rPr lang="en-US" sz="2200" err="1">
+              <a:rPr lang="en-US" sz="2200" dirty="0" err="1">
                 <a:cs typeface="Calibri"/>
               </a:rPr>
               <a:t>taškų</a:t>
@@ -4059,7 +4065,7 @@
               <a:t>, </a:t>
             </a:r>
             <a:r>
-              <a:rPr lang="en-US" sz="2200" err="1">
+              <a:rPr lang="en-US" sz="2200" dirty="0" err="1">
                 <a:cs typeface="Calibri"/>
               </a:rPr>
               <a:t>kuriems</a:t>
@@ -4071,7 +4077,7 @@
               <a:t> "</a:t>
             </a:r>
             <a:r>
-              <a:rPr lang="en-US" sz="2200" err="1">
+              <a:rPr lang="en-US" sz="2200" dirty="0" err="1">
                 <a:cs typeface="Calibri"/>
               </a:rPr>
               <a:t>iš</a:t>
@@ -4083,7 +4089,7 @@
               <a:t> </a:t>
             </a:r>
             <a:r>
-              <a:rPr lang="en-US" sz="2200" err="1">
+              <a:rPr lang="en-US" sz="2200" dirty="0" err="1">
                 <a:cs typeface="Calibri"/>
               </a:rPr>
               <a:t>akies</a:t>
@@ -4095,7 +4101,7 @@
               <a:t>" </a:t>
             </a:r>
             <a:r>
-              <a:rPr lang="en-US" sz="2200" err="1">
+              <a:rPr lang="en-US" sz="2200" dirty="0" err="1">
                 <a:cs typeface="Calibri"/>
               </a:rPr>
               <a:t>priskirtas</a:t>
@@ -4107,7 +4113,7 @@
               <a:t> ne </a:t>
             </a:r>
             <a:r>
-              <a:rPr lang="en-US" sz="2200" err="1">
+              <a:rPr lang="en-US" sz="2200" dirty="0" err="1">
                 <a:cs typeface="Calibri"/>
               </a:rPr>
               <a:t>tas</a:t>
@@ -4119,7 +4125,7 @@
               <a:t> </a:t>
             </a:r>
             <a:r>
-              <a:rPr lang="en-US" sz="2200" err="1">
+              <a:rPr lang="en-US" sz="2200" dirty="0" err="1">
                 <a:cs typeface="Calibri"/>
               </a:rPr>
               <a:t>klasteris</a:t>
@@ -5175,38 +5181,125 @@
         </p:nvSpPr>
         <p:spPr/>
         <p:txBody>
-          <a:bodyPr/>
+          <a:bodyPr>
+            <a:normAutofit/>
+          </a:bodyPr>
           <a:lstStyle/>
           <a:p>
-            <a:endParaRPr lang="LID4096"/>
-          </a:p>
-        </p:txBody>
-      </p:sp>
-      <p:sp>
-        <p:nvSpPr>
-          <p:cNvPr id="3" name="Turinio vietos rezervavimo ženklas 2">
+            <a:r>
+              <a:rPr lang="lt-LT" sz="2600" i="1" dirty="0" err="1">
+                <a:latin typeface="Cambria Math" panose="02040503050406030204" pitchFamily="18" charset="0"/>
+                <a:ea typeface="Cambria Math" panose="02040503050406030204" pitchFamily="18" charset="0"/>
+              </a:rPr>
+              <a:t>Eps</a:t>
+            </a:r>
+            <a:r>
+              <a:rPr lang="lt-LT" sz="2600" i="1" dirty="0">
+                <a:latin typeface="Cambria Math" panose="02040503050406030204" pitchFamily="18" charset="0"/>
+                <a:ea typeface="Cambria Math" panose="02040503050406030204" pitchFamily="18" charset="0"/>
+              </a:rPr>
+              <a:t> </a:t>
+            </a:r>
+            <a:r>
+              <a:rPr lang="lt-LT" sz="2600" i="1" dirty="0">
+                <a:latin typeface="+mn-lt"/>
+                <a:ea typeface="Cambria Math" panose="02040503050406030204" pitchFamily="18" charset="0"/>
+              </a:rPr>
+              <a:t>paieška pagal kelio (</a:t>
+            </a:r>
+            <a:r>
+              <a:rPr lang="lt-LT" sz="2600" i="1" dirty="0" err="1">
+                <a:latin typeface="+mn-lt"/>
+                <a:ea typeface="Cambria Math" panose="02040503050406030204" pitchFamily="18" charset="0"/>
+              </a:rPr>
+              <a:t>knee</a:t>
+            </a:r>
+            <a:r>
+              <a:rPr lang="lt-LT" sz="2600" i="1" dirty="0">
+                <a:latin typeface="+mn-lt"/>
+                <a:ea typeface="Cambria Math" panose="02040503050406030204" pitchFamily="18" charset="0"/>
+              </a:rPr>
+              <a:t>) tašką</a:t>
+            </a:r>
+            <a:endParaRPr lang="LID4096" sz="2600" i="1" dirty="0">
+              <a:latin typeface="+mn-lt"/>
+              <a:ea typeface="Cambria Math" panose="02040503050406030204" pitchFamily="18" charset="0"/>
+            </a:endParaRPr>
+          </a:p>
+        </p:txBody>
+      </p:sp>
+      <p:pic>
+        <p:nvPicPr>
+          <p:cNvPr id="17" name="Paveikslėlis 16">
             <a:extLst>
               <a:ext uri="{FF2B5EF4-FFF2-40B4-BE49-F238E27FC236}">
-                <a16:creationId xmlns:a16="http://schemas.microsoft.com/office/drawing/2014/main" id="{44A52607-19C7-43F6-8955-D148E9DF70A8}"/>
+                <a16:creationId xmlns:a16="http://schemas.microsoft.com/office/drawing/2014/main" id="{0E08BFEF-98B0-4450-92D6-21C408A2C67D}"/>
               </a:ext>
             </a:extLst>
           </p:cNvPr>
-          <p:cNvSpPr>
-            <a:spLocks noGrp="1"/>
-          </p:cNvSpPr>
-          <p:nvPr>
-            <p:ph idx="1"/>
-          </p:nvPr>
-        </p:nvSpPr>
-        <p:spPr/>
-        <p:txBody>
-          <a:bodyPr/>
-          <a:lstStyle/>
-          <a:p>
-            <a:endParaRPr lang="LID4096"/>
-          </a:p>
-        </p:txBody>
-      </p:sp>
+          <p:cNvPicPr>
+            <a:picLocks noChangeAspect="1"/>
+          </p:cNvPicPr>
+          <p:nvPr/>
+        </p:nvPicPr>
+        <p:blipFill>
+          <a:blip r:embed="rId2">
+            <a:extLst>
+              <a:ext uri="{28A0092B-C50C-407E-A947-70E740481C1C}">
+                <a14:useLocalDpi xmlns:a14="http://schemas.microsoft.com/office/drawing/2010/main" val="0"/>
+              </a:ext>
+            </a:extLst>
+          </a:blip>
+          <a:stretch>
+            <a:fillRect/>
+          </a:stretch>
+        </p:blipFill>
+        <p:spPr>
+          <a:xfrm>
+            <a:off x="6245076" y="1885099"/>
+            <a:ext cx="4253968" cy="4101587"/>
+          </a:xfrm>
+          <a:prstGeom prst="rect">
+            <a:avLst/>
+          </a:prstGeom>
+        </p:spPr>
+      </p:pic>
+      <p:pic>
+        <p:nvPicPr>
+          <p:cNvPr id="19" name="Paveikslėlis 18">
+            <a:extLst>
+              <a:ext uri="{FF2B5EF4-FFF2-40B4-BE49-F238E27FC236}">
+                <a16:creationId xmlns:a16="http://schemas.microsoft.com/office/drawing/2014/main" id="{1AB5E9D5-3358-4CF8-B16F-2BB55D040D82}"/>
+              </a:ext>
+            </a:extLst>
+          </p:cNvPr>
+          <p:cNvPicPr>
+            <a:picLocks noChangeAspect="1"/>
+          </p:cNvPicPr>
+          <p:nvPr/>
+        </p:nvPicPr>
+        <p:blipFill>
+          <a:blip r:embed="rId3">
+            <a:extLst>
+              <a:ext uri="{28A0092B-C50C-407E-A947-70E740481C1C}">
+                <a14:useLocalDpi xmlns:a14="http://schemas.microsoft.com/office/drawing/2010/main" val="0"/>
+              </a:ext>
+            </a:extLst>
+          </a:blip>
+          <a:stretch>
+            <a:fillRect/>
+          </a:stretch>
+        </p:blipFill>
+        <p:spPr>
+          <a:xfrm>
+            <a:off x="838200" y="1885100"/>
+            <a:ext cx="4139682" cy="4101587"/>
+          </a:xfrm>
+          <a:prstGeom prst="rect">
+            <a:avLst/>
+          </a:prstGeom>
+        </p:spPr>
+      </p:pic>
     </p:spTree>
     <p:extLst>
       <p:ext uri="{BB962C8B-B14F-4D97-AF65-F5344CB8AC3E}">
@@ -5242,7 +5335,7 @@
           <p:cNvPr id="2" name="Pavadinimas 1">
             <a:extLst>
               <a:ext uri="{FF2B5EF4-FFF2-40B4-BE49-F238E27FC236}">
-                <a16:creationId xmlns:a16="http://schemas.microsoft.com/office/drawing/2014/main" id="{F37AD10C-7A20-4682-80DB-BE5DDD8EB527}"/>
+                <a16:creationId xmlns:a16="http://schemas.microsoft.com/office/drawing/2014/main" id="{1A9F9B6A-CB6C-4306-ACE6-0624D545C0CD}"/>
               </a:ext>
             </a:extLst>
           </p:cNvPr>
@@ -5267,7 +5360,7 @@
           <p:cNvPr id="3" name="Turinio vietos rezervavimo ženklas 2">
             <a:extLst>
               <a:ext uri="{FF2B5EF4-FFF2-40B4-BE49-F238E27FC236}">
-                <a16:creationId xmlns:a16="http://schemas.microsoft.com/office/drawing/2014/main" id="{338B482C-D682-460B-A441-E18D5C6D0864}"/>
+                <a16:creationId xmlns:a16="http://schemas.microsoft.com/office/drawing/2014/main" id="{949EB2C3-7954-4B8F-A699-4A6F4BCE12A4}"/>
               </a:ext>
             </a:extLst>
           </p:cNvPr>
@@ -5280,56 +5373,86 @@
         </p:nvSpPr>
         <p:spPr/>
         <p:txBody>
-          <a:bodyPr/>
-          <a:lstStyle/>
-          <a:p>
-            <a:endParaRPr lang="LID4096"/>
-          </a:p>
-        </p:txBody>
-      </p:sp>
-      <p:sp>
-        <p:nvSpPr>
-          <p:cNvPr id="5" name="TextBox 4">
-            <a:extLst>
-              <a:ext uri="{FF2B5EF4-FFF2-40B4-BE49-F238E27FC236}">
-                <a16:creationId xmlns:a16="http://schemas.microsoft.com/office/drawing/2014/main" id="{2EB4A0BB-2CF6-4F90-B65C-37CCE1CD6BF8}"/>
-              </a:ext>
-            </a:extLst>
-          </p:cNvPr>
-          <p:cNvSpPr txBox="1"/>
-          <p:nvPr/>
-        </p:nvSpPr>
-        <p:spPr>
-          <a:xfrm>
-            <a:off x="2305877" y="3244334"/>
-            <a:ext cx="7513983" cy="615553"/>
-          </a:xfrm>
-          <a:prstGeom prst="rect">
-            <a:avLst/>
-          </a:prstGeom>
-          <a:noFill/>
-        </p:spPr>
-        <p:txBody>
-          <a:bodyPr wrap="square">
-            <a:spAutoFit/>
+          <a:bodyPr>
+            <a:normAutofit/>
           </a:bodyPr>
           <a:lstStyle/>
           <a:p>
-            <a:pPr marL="0" indent="0" algn="ctr">
-              <a:buNone/>
-            </a:pPr>
-            <a:r>
-              <a:rPr lang="lt-LT" sz="3400" dirty="0"/>
-              <a:t>Hierarchinio klasterizavimo metodas</a:t>
-            </a:r>
-            <a:endParaRPr lang="LID4096" sz="3400" dirty="0"/>
+            <a:r>
+              <a:rPr lang="lt-LT" sz="2200" i="1" dirty="0" err="1">
+                <a:latin typeface="Cambria Math" panose="02040503050406030204" pitchFamily="18" charset="0"/>
+                <a:ea typeface="Cambria Math" panose="02040503050406030204" pitchFamily="18" charset="0"/>
+              </a:rPr>
+              <a:t>MinPts</a:t>
+            </a:r>
+            <a:r>
+              <a:rPr lang="lt-LT" sz="2200" i="1" dirty="0">
+                <a:latin typeface="Cambria Math" panose="02040503050406030204" pitchFamily="18" charset="0"/>
+                <a:ea typeface="Cambria Math" panose="02040503050406030204" pitchFamily="18" charset="0"/>
+              </a:rPr>
+              <a:t> </a:t>
+            </a:r>
+            <a:r>
+              <a:rPr lang="lt-LT" sz="2200" dirty="0">
+                <a:ea typeface="Cambria Math" panose="02040503050406030204" pitchFamily="18" charset="0"/>
+              </a:rPr>
+              <a:t>parinktas naudojantis nykščio taisykle imant </a:t>
+            </a:r>
+            <a:r>
+              <a:rPr lang="lt-LT" sz="2200" i="1" dirty="0" err="1">
+                <a:latin typeface="Cambria Math" panose="02040503050406030204" pitchFamily="18" charset="0"/>
+                <a:ea typeface="Cambria Math" panose="02040503050406030204" pitchFamily="18" charset="0"/>
+              </a:rPr>
+              <a:t>MinPts</a:t>
+            </a:r>
+            <a:r>
+              <a:rPr lang="lt-LT" sz="2200" i="1" dirty="0">
+                <a:latin typeface="Cambria Math" panose="02040503050406030204" pitchFamily="18" charset="0"/>
+                <a:ea typeface="Cambria Math" panose="02040503050406030204" pitchFamily="18" charset="0"/>
+              </a:rPr>
+              <a:t> = </a:t>
+            </a:r>
+            <a:r>
+              <a:rPr lang="lt-LT" sz="2200" dirty="0"/>
+              <a:t>2n, kur n – požymių skaičius duomenų aibėje.</a:t>
+            </a:r>
+            <a:endParaRPr lang="lt-LT" sz="2200" dirty="0">
+              <a:ea typeface="Cambria Math" panose="02040503050406030204" pitchFamily="18" charset="0"/>
+            </a:endParaRPr>
+          </a:p>
+          <a:p>
+            <a:endParaRPr lang="lt-LT" sz="2200" dirty="0">
+              <a:ea typeface="Cambria Math" panose="02040503050406030204" pitchFamily="18" charset="0"/>
+            </a:endParaRPr>
+          </a:p>
+          <a:p>
+            <a:r>
+              <a:rPr lang="lt-LT" sz="2200" dirty="0">
+                <a:ea typeface="Cambria Math" panose="02040503050406030204" pitchFamily="18" charset="0"/>
+              </a:rPr>
+              <a:t>Naudojant prieš tai pavaizduotą parametro parinkimo metodą, </a:t>
+            </a:r>
+            <a:r>
+              <a:rPr lang="lt-LT" sz="2200" i="1" dirty="0" err="1">
+                <a:latin typeface="Cambria Math" panose="02040503050406030204" pitchFamily="18" charset="0"/>
+                <a:ea typeface="Cambria Math" panose="02040503050406030204" pitchFamily="18" charset="0"/>
+              </a:rPr>
+              <a:t>eps</a:t>
+            </a:r>
+            <a:r>
+              <a:rPr lang="lt-LT" sz="2200" dirty="0"/>
+              <a:t> reikšmės originalios ir sumažintos dimensijos duomenims gautos atitinkamai 3.5 ir 0.7. </a:t>
+            </a:r>
+          </a:p>
+          <a:p>
+            <a:endParaRPr lang="lt-LT" sz="2200" dirty="0"/>
           </a:p>
         </p:txBody>
       </p:sp>
     </p:spTree>
     <p:extLst>
       <p:ext uri="{BB962C8B-B14F-4D97-AF65-F5344CB8AC3E}">
-        <p14:creationId xmlns:p14="http://schemas.microsoft.com/office/powerpoint/2010/main" val="1189350453"/>
+        <p14:creationId xmlns:p14="http://schemas.microsoft.com/office/powerpoint/2010/main" val="701473404"/>
       </p:ext>
     </p:extLst>
   </p:cSld>
@@ -5361,7 +5484,7 @@
           <p:cNvPr id="2" name="Pavadinimas 1">
             <a:extLst>
               <a:ext uri="{FF2B5EF4-FFF2-40B4-BE49-F238E27FC236}">
-                <a16:creationId xmlns:a16="http://schemas.microsoft.com/office/drawing/2014/main" id="{27BED4DB-6823-46A4-844C-776E6928074C}"/>
+                <a16:creationId xmlns:a16="http://schemas.microsoft.com/office/drawing/2014/main" id="{3D54D056-13DF-49CA-95AD-953CE95AA9F2}"/>
               </a:ext>
             </a:extLst>
           </p:cNvPr>
@@ -5374,42 +5497,62 @@
         </p:nvSpPr>
         <p:spPr/>
         <p:txBody>
-          <a:bodyPr/>
+          <a:bodyPr>
+            <a:normAutofit/>
+          </a:bodyPr>
           <a:lstStyle/>
           <a:p>
-            <a:endParaRPr lang="LID4096"/>
-          </a:p>
-        </p:txBody>
-      </p:sp>
-      <p:sp>
-        <p:nvSpPr>
-          <p:cNvPr id="3" name="Turinio vietos rezervavimo ženklas 2">
+            <a:r>
+              <a:rPr lang="lt-LT" sz="2600" dirty="0">
+                <a:latin typeface="+mn-lt"/>
+              </a:rPr>
+              <a:t>Gauti klasteriai</a:t>
+            </a:r>
+            <a:endParaRPr lang="LID4096" sz="2600" dirty="0">
+              <a:latin typeface="+mn-lt"/>
+            </a:endParaRPr>
+          </a:p>
+        </p:txBody>
+      </p:sp>
+      <p:pic>
+        <p:nvPicPr>
+          <p:cNvPr id="5" name="Turinio vietos rezervavimo ženklas 4">
             <a:extLst>
               <a:ext uri="{FF2B5EF4-FFF2-40B4-BE49-F238E27FC236}">
-                <a16:creationId xmlns:a16="http://schemas.microsoft.com/office/drawing/2014/main" id="{5F74D5A8-2C10-4DF6-99AE-97875BF3402C}"/>
+                <a16:creationId xmlns:a16="http://schemas.microsoft.com/office/drawing/2014/main" id="{3BB7319C-E4BA-4809-966D-655A082DF6D7}"/>
               </a:ext>
             </a:extLst>
           </p:cNvPr>
-          <p:cNvSpPr>
-            <a:spLocks noGrp="1"/>
-          </p:cNvSpPr>
+          <p:cNvPicPr>
+            <a:picLocks noGrp="1" noChangeAspect="1"/>
+          </p:cNvPicPr>
           <p:nvPr>
             <p:ph idx="1"/>
           </p:nvPr>
-        </p:nvSpPr>
-        <p:spPr/>
-        <p:txBody>
-          <a:bodyPr/>
-          <a:lstStyle/>
-          <a:p>
-            <a:endParaRPr lang="LID4096"/>
-          </a:p>
-        </p:txBody>
-      </p:sp>
+        </p:nvPicPr>
+        <p:blipFill>
+          <a:blip r:embed="rId2">
+            <a:extLst>
+              <a:ext uri="{28A0092B-C50C-407E-A947-70E740481C1C}">
+                <a14:useLocalDpi xmlns:a14="http://schemas.microsoft.com/office/drawing/2010/main" val="0"/>
+              </a:ext>
+            </a:extLst>
+          </a:blip>
+          <a:stretch>
+            <a:fillRect/>
+          </a:stretch>
+        </p:blipFill>
+        <p:spPr>
+          <a:xfrm>
+            <a:off x="838200" y="1972153"/>
+            <a:ext cx="10515600" cy="4058281"/>
+          </a:xfrm>
+        </p:spPr>
+      </p:pic>
     </p:spTree>
     <p:extLst>
       <p:ext uri="{BB962C8B-B14F-4D97-AF65-F5344CB8AC3E}">
-        <p14:creationId xmlns:p14="http://schemas.microsoft.com/office/powerpoint/2010/main" val="3344612438"/>
+        <p14:creationId xmlns:p14="http://schemas.microsoft.com/office/powerpoint/2010/main" val="2207593539"/>
       </p:ext>
     </p:extLst>
   </p:cSld>
@@ -6020,6 +6163,707 @@
       </p:grpSpPr>
       <p:sp>
         <p:nvSpPr>
+          <p:cNvPr id="2" name="Pavadinimas 1">
+            <a:extLst>
+              <a:ext uri="{FF2B5EF4-FFF2-40B4-BE49-F238E27FC236}">
+                <a16:creationId xmlns:a16="http://schemas.microsoft.com/office/drawing/2014/main" id="{3B7FCD23-9D39-4EF2-B09B-53262E049F65}"/>
+              </a:ext>
+            </a:extLst>
+          </p:cNvPr>
+          <p:cNvSpPr>
+            <a:spLocks noGrp="1"/>
+          </p:cNvSpPr>
+          <p:nvPr>
+            <p:ph type="title"/>
+          </p:nvPr>
+        </p:nvSpPr>
+        <p:spPr/>
+        <p:txBody>
+          <a:bodyPr/>
+          <a:lstStyle/>
+          <a:p>
+            <a:endParaRPr lang="LID4096"/>
+          </a:p>
+        </p:txBody>
+      </p:sp>
+      <p:sp>
+        <p:nvSpPr>
+          <p:cNvPr id="3" name="Turinio vietos rezervavimo ženklas 2">
+            <a:extLst>
+              <a:ext uri="{FF2B5EF4-FFF2-40B4-BE49-F238E27FC236}">
+                <a16:creationId xmlns:a16="http://schemas.microsoft.com/office/drawing/2014/main" id="{98494448-4786-4358-AB8A-8F3800CFE19E}"/>
+              </a:ext>
+            </a:extLst>
+          </p:cNvPr>
+          <p:cNvSpPr>
+            <a:spLocks noGrp="1"/>
+          </p:cNvSpPr>
+          <p:nvPr>
+            <p:ph idx="1"/>
+          </p:nvPr>
+        </p:nvSpPr>
+        <p:spPr/>
+        <p:txBody>
+          <a:bodyPr>
+            <a:normAutofit/>
+          </a:bodyPr>
+          <a:lstStyle/>
+          <a:p>
+            <a:r>
+              <a:rPr lang="lt-LT" sz="2200" dirty="0"/>
+              <a:t>Gauti nestabilūs klasteriai, negana to originalios dimensijos duomenyse beveik visi taškai priskirti vienam klasteriui, sumažintos dimensijos duomenyse visi taškai laikyti triukšmo taškais.</a:t>
+            </a:r>
+          </a:p>
+          <a:p>
+            <a:endParaRPr lang="lt-LT" sz="2200" dirty="0"/>
+          </a:p>
+          <a:p>
+            <a:r>
+              <a:rPr lang="lt-LT" sz="2200" dirty="0"/>
+              <a:t>Dėl šių priežasčių laikyta, kad DBSCAN metodu naudingų įžvalgų turimam duomenų rinkiniui negauta.</a:t>
+            </a:r>
+            <a:endParaRPr lang="LID4096" sz="2200" dirty="0"/>
+          </a:p>
+        </p:txBody>
+      </p:sp>
+    </p:spTree>
+    <p:extLst>
+      <p:ext uri="{BB962C8B-B14F-4D97-AF65-F5344CB8AC3E}">
+        <p14:creationId xmlns:p14="http://schemas.microsoft.com/office/powerpoint/2010/main" val="498811519"/>
+      </p:ext>
+    </p:extLst>
+  </p:cSld>
+  <p:clrMapOvr>
+    <a:masterClrMapping/>
+  </p:clrMapOvr>
+</p:sld>
+</file>
+
+<file path=ppt/slides/slide21.xml><?xml version="1.0" encoding="utf-8"?>
+<p:sld xmlns:a="http://schemas.openxmlformats.org/drawingml/2006/main" xmlns:r="http://schemas.openxmlformats.org/officeDocument/2006/relationships" xmlns:p="http://schemas.openxmlformats.org/presentationml/2006/main">
+  <p:cSld>
+    <p:spTree>
+      <p:nvGrpSpPr>
+        <p:cNvPr id="1" name=""/>
+        <p:cNvGrpSpPr/>
+        <p:nvPr/>
+      </p:nvGrpSpPr>
+      <p:grpSpPr>
+        <a:xfrm>
+          <a:off x="0" y="0"/>
+          <a:ext cx="0" cy="0"/>
+          <a:chOff x="0" y="0"/>
+          <a:chExt cx="0" cy="0"/>
+        </a:xfrm>
+      </p:grpSpPr>
+      <p:sp>
+        <p:nvSpPr>
+          <p:cNvPr id="2" name="Pavadinimas 1">
+            <a:extLst>
+              <a:ext uri="{FF2B5EF4-FFF2-40B4-BE49-F238E27FC236}">
+                <a16:creationId xmlns:a16="http://schemas.microsoft.com/office/drawing/2014/main" id="{F37AD10C-7A20-4682-80DB-BE5DDD8EB527}"/>
+              </a:ext>
+            </a:extLst>
+          </p:cNvPr>
+          <p:cNvSpPr>
+            <a:spLocks noGrp="1"/>
+          </p:cNvSpPr>
+          <p:nvPr>
+            <p:ph type="title"/>
+          </p:nvPr>
+        </p:nvSpPr>
+        <p:spPr/>
+        <p:txBody>
+          <a:bodyPr/>
+          <a:lstStyle/>
+          <a:p>
+            <a:endParaRPr lang="LID4096"/>
+          </a:p>
+        </p:txBody>
+      </p:sp>
+      <p:sp>
+        <p:nvSpPr>
+          <p:cNvPr id="3" name="Turinio vietos rezervavimo ženklas 2">
+            <a:extLst>
+              <a:ext uri="{FF2B5EF4-FFF2-40B4-BE49-F238E27FC236}">
+                <a16:creationId xmlns:a16="http://schemas.microsoft.com/office/drawing/2014/main" id="{338B482C-D682-460B-A441-E18D5C6D0864}"/>
+              </a:ext>
+            </a:extLst>
+          </p:cNvPr>
+          <p:cNvSpPr>
+            <a:spLocks noGrp="1"/>
+          </p:cNvSpPr>
+          <p:nvPr>
+            <p:ph idx="1"/>
+          </p:nvPr>
+        </p:nvSpPr>
+        <p:spPr/>
+        <p:txBody>
+          <a:bodyPr/>
+          <a:lstStyle/>
+          <a:p>
+            <a:endParaRPr lang="LID4096"/>
+          </a:p>
+        </p:txBody>
+      </p:sp>
+      <p:sp>
+        <p:nvSpPr>
+          <p:cNvPr id="5" name="TextBox 4">
+            <a:extLst>
+              <a:ext uri="{FF2B5EF4-FFF2-40B4-BE49-F238E27FC236}">
+                <a16:creationId xmlns:a16="http://schemas.microsoft.com/office/drawing/2014/main" id="{2EB4A0BB-2CF6-4F90-B65C-37CCE1CD6BF8}"/>
+              </a:ext>
+            </a:extLst>
+          </p:cNvPr>
+          <p:cNvSpPr txBox="1"/>
+          <p:nvPr/>
+        </p:nvSpPr>
+        <p:spPr>
+          <a:xfrm>
+            <a:off x="2305877" y="3244334"/>
+            <a:ext cx="7513983" cy="615553"/>
+          </a:xfrm>
+          <a:prstGeom prst="rect">
+            <a:avLst/>
+          </a:prstGeom>
+          <a:noFill/>
+        </p:spPr>
+        <p:txBody>
+          <a:bodyPr wrap="square">
+            <a:spAutoFit/>
+          </a:bodyPr>
+          <a:lstStyle/>
+          <a:p>
+            <a:pPr marL="0" indent="0" algn="ctr">
+              <a:buNone/>
+            </a:pPr>
+            <a:r>
+              <a:rPr lang="lt-LT" sz="3400" dirty="0"/>
+              <a:t>Hierarchinio klasterizavimo metodas</a:t>
+            </a:r>
+            <a:endParaRPr lang="LID4096" sz="3400" dirty="0"/>
+          </a:p>
+        </p:txBody>
+      </p:sp>
+    </p:spTree>
+    <p:extLst>
+      <p:ext uri="{BB962C8B-B14F-4D97-AF65-F5344CB8AC3E}">
+        <p14:creationId xmlns:p14="http://schemas.microsoft.com/office/powerpoint/2010/main" val="1189350453"/>
+      </p:ext>
+    </p:extLst>
+  </p:cSld>
+  <p:clrMapOvr>
+    <a:masterClrMapping/>
+  </p:clrMapOvr>
+</p:sld>
+</file>
+
+<file path=ppt/slides/slide22.xml><?xml version="1.0" encoding="utf-8"?>
+<p:sld xmlns:a="http://schemas.openxmlformats.org/drawingml/2006/main" xmlns:r="http://schemas.openxmlformats.org/officeDocument/2006/relationships" xmlns:p="http://schemas.openxmlformats.org/presentationml/2006/main">
+  <p:cSld>
+    <p:spTree>
+      <p:nvGrpSpPr>
+        <p:cNvPr id="1" name=""/>
+        <p:cNvGrpSpPr/>
+        <p:nvPr/>
+      </p:nvGrpSpPr>
+      <p:grpSpPr>
+        <a:xfrm>
+          <a:off x="0" y="0"/>
+          <a:ext cx="0" cy="0"/>
+          <a:chOff x="0" y="0"/>
+          <a:chExt cx="0" cy="0"/>
+        </a:xfrm>
+      </p:grpSpPr>
+      <p:sp>
+        <p:nvSpPr>
+          <p:cNvPr id="2" name="Pavadinimas 1">
+            <a:extLst>
+              <a:ext uri="{FF2B5EF4-FFF2-40B4-BE49-F238E27FC236}">
+                <a16:creationId xmlns:a16="http://schemas.microsoft.com/office/drawing/2014/main" id="{27BED4DB-6823-46A4-844C-776E6928074C}"/>
+              </a:ext>
+            </a:extLst>
+          </p:cNvPr>
+          <p:cNvSpPr>
+            <a:spLocks noGrp="1"/>
+          </p:cNvSpPr>
+          <p:nvPr>
+            <p:ph type="title"/>
+          </p:nvPr>
+        </p:nvSpPr>
+        <p:spPr/>
+        <p:txBody>
+          <a:bodyPr>
+            <a:normAutofit/>
+          </a:bodyPr>
+          <a:lstStyle/>
+          <a:p>
+            <a:r>
+              <a:rPr lang="lt-LT" sz="2600" dirty="0">
+                <a:latin typeface="+mn-lt"/>
+              </a:rPr>
+              <a:t>Klasterių skaičiaus parinkimas naudojantis </a:t>
+            </a:r>
+            <a:r>
+              <a:rPr lang="lt-LT" sz="2600" dirty="0" err="1">
+                <a:latin typeface="+mn-lt"/>
+              </a:rPr>
+              <a:t>dendrograma</a:t>
+            </a:r>
+            <a:endParaRPr lang="LID4096" sz="2600" dirty="0">
+              <a:latin typeface="+mn-lt"/>
+            </a:endParaRPr>
+          </a:p>
+        </p:txBody>
+      </p:sp>
+      <p:pic>
+        <p:nvPicPr>
+          <p:cNvPr id="5" name="Turinio vietos rezervavimo ženklas 4">
+            <a:extLst>
+              <a:ext uri="{FF2B5EF4-FFF2-40B4-BE49-F238E27FC236}">
+                <a16:creationId xmlns:a16="http://schemas.microsoft.com/office/drawing/2014/main" id="{86173D8E-2CB6-4E0D-BCA4-B2AFA3D0035E}"/>
+              </a:ext>
+            </a:extLst>
+          </p:cNvPr>
+          <p:cNvPicPr>
+            <a:picLocks noGrp="1" noChangeAspect="1"/>
+          </p:cNvPicPr>
+          <p:nvPr>
+            <p:ph idx="1"/>
+          </p:nvPr>
+        </p:nvPicPr>
+        <p:blipFill>
+          <a:blip r:embed="rId2">
+            <a:extLst>
+              <a:ext uri="{28A0092B-C50C-407E-A947-70E740481C1C}">
+                <a14:useLocalDpi xmlns:a14="http://schemas.microsoft.com/office/drawing/2010/main" val="0"/>
+              </a:ext>
+            </a:extLst>
+          </a:blip>
+          <a:stretch>
+            <a:fillRect/>
+          </a:stretch>
+        </p:blipFill>
+        <p:spPr>
+          <a:xfrm>
+            <a:off x="6400800" y="1690688"/>
+            <a:ext cx="5545654" cy="3951278"/>
+          </a:xfrm>
+        </p:spPr>
+      </p:pic>
+      <p:pic>
+        <p:nvPicPr>
+          <p:cNvPr id="7" name="Paveikslėlis 6">
+            <a:extLst>
+              <a:ext uri="{FF2B5EF4-FFF2-40B4-BE49-F238E27FC236}">
+                <a16:creationId xmlns:a16="http://schemas.microsoft.com/office/drawing/2014/main" id="{8A2A91C2-0172-4F20-910F-A5CA77750EDC}"/>
+              </a:ext>
+            </a:extLst>
+          </p:cNvPr>
+          <p:cNvPicPr>
+            <a:picLocks noChangeAspect="1"/>
+          </p:cNvPicPr>
+          <p:nvPr/>
+        </p:nvPicPr>
+        <p:blipFill>
+          <a:blip r:embed="rId2">
+            <a:extLst>
+              <a:ext uri="{28A0092B-C50C-407E-A947-70E740481C1C}">
+                <a14:useLocalDpi xmlns:a14="http://schemas.microsoft.com/office/drawing/2010/main" val="0"/>
+              </a:ext>
+            </a:extLst>
+          </a:blip>
+          <a:stretch>
+            <a:fillRect/>
+          </a:stretch>
+        </p:blipFill>
+        <p:spPr>
+          <a:xfrm>
+            <a:off x="484085" y="1750323"/>
+            <a:ext cx="5407256" cy="3852670"/>
+          </a:xfrm>
+          <a:prstGeom prst="rect">
+            <a:avLst/>
+          </a:prstGeom>
+        </p:spPr>
+      </p:pic>
+    </p:spTree>
+    <p:extLst>
+      <p:ext uri="{BB962C8B-B14F-4D97-AF65-F5344CB8AC3E}">
+        <p14:creationId xmlns:p14="http://schemas.microsoft.com/office/powerpoint/2010/main" val="3344612438"/>
+      </p:ext>
+    </p:extLst>
+  </p:cSld>
+  <p:clrMapOvr>
+    <a:masterClrMapping/>
+  </p:clrMapOvr>
+</p:sld>
+</file>
+
+<file path=ppt/slides/slide23.xml><?xml version="1.0" encoding="utf-8"?>
+<p:sld xmlns:a="http://schemas.openxmlformats.org/drawingml/2006/main" xmlns:r="http://schemas.openxmlformats.org/officeDocument/2006/relationships" xmlns:p="http://schemas.openxmlformats.org/presentationml/2006/main">
+  <p:cSld>
+    <p:spTree>
+      <p:nvGrpSpPr>
+        <p:cNvPr id="1" name=""/>
+        <p:cNvGrpSpPr/>
+        <p:nvPr/>
+      </p:nvGrpSpPr>
+      <p:grpSpPr>
+        <a:xfrm>
+          <a:off x="0" y="0"/>
+          <a:ext cx="0" cy="0"/>
+          <a:chOff x="0" y="0"/>
+          <a:chExt cx="0" cy="0"/>
+        </a:xfrm>
+      </p:grpSpPr>
+      <p:sp>
+        <p:nvSpPr>
+          <p:cNvPr id="2" name="Pavadinimas 1">
+            <a:extLst>
+              <a:ext uri="{FF2B5EF4-FFF2-40B4-BE49-F238E27FC236}">
+                <a16:creationId xmlns:a16="http://schemas.microsoft.com/office/drawing/2014/main" id="{8A82CB2D-0308-4943-8DDF-B26E47949335}"/>
+              </a:ext>
+            </a:extLst>
+          </p:cNvPr>
+          <p:cNvSpPr>
+            <a:spLocks noGrp="1"/>
+          </p:cNvSpPr>
+          <p:nvPr>
+            <p:ph type="title"/>
+          </p:nvPr>
+        </p:nvSpPr>
+        <p:spPr/>
+        <p:txBody>
+          <a:bodyPr/>
+          <a:lstStyle/>
+          <a:p>
+            <a:endParaRPr lang="LID4096"/>
+          </a:p>
+        </p:txBody>
+      </p:sp>
+      <p:sp>
+        <p:nvSpPr>
+          <p:cNvPr id="3" name="Turinio vietos rezervavimo ženklas 2">
+            <a:extLst>
+              <a:ext uri="{FF2B5EF4-FFF2-40B4-BE49-F238E27FC236}">
+                <a16:creationId xmlns:a16="http://schemas.microsoft.com/office/drawing/2014/main" id="{DEE521A1-667C-4C1E-BCEB-A15446EF311F}"/>
+              </a:ext>
+            </a:extLst>
+          </p:cNvPr>
+          <p:cNvSpPr>
+            <a:spLocks noGrp="1"/>
+          </p:cNvSpPr>
+          <p:nvPr>
+            <p:ph idx="1"/>
+          </p:nvPr>
+        </p:nvSpPr>
+        <p:spPr/>
+        <p:txBody>
+          <a:bodyPr>
+            <a:normAutofit/>
+          </a:bodyPr>
+          <a:lstStyle/>
+          <a:p>
+            <a:r>
+              <a:rPr lang="lt-LT" sz="2200" dirty="0"/>
+              <a:t>Geriausi rezultatai (jungiamų klasterių dydžių subalansavimo prasme) gauti naudojant </a:t>
+            </a:r>
+            <a:r>
+              <a:rPr lang="lt-LT" sz="2200" dirty="0" err="1"/>
+              <a:t>Ward</a:t>
+            </a:r>
+            <a:r>
+              <a:rPr lang="lt-LT" sz="2200" dirty="0"/>
+              <a:t> jungimo matą.</a:t>
+            </a:r>
+          </a:p>
+          <a:p>
+            <a:endParaRPr lang="lt-LT" sz="2200" dirty="0"/>
+          </a:p>
+          <a:p>
+            <a:r>
+              <a:rPr lang="lt-LT" sz="2200" dirty="0"/>
+              <a:t>Tiek originalios, tiek sumažintos erdvės duomenyse naudojant </a:t>
+            </a:r>
+            <a:r>
+              <a:rPr lang="lt-LT" sz="2200" dirty="0" err="1"/>
+              <a:t>Ward</a:t>
+            </a:r>
+            <a:r>
+              <a:rPr lang="lt-LT" sz="2200" dirty="0"/>
+              <a:t> jungimo matą pagal </a:t>
+            </a:r>
+            <a:r>
+              <a:rPr lang="lt-LT" sz="2200" dirty="0" err="1"/>
+              <a:t>dendrogramą</a:t>
+            </a:r>
+            <a:r>
+              <a:rPr lang="lt-LT" sz="2200" dirty="0"/>
+              <a:t> pasirinkta duomenų aibę dalinti į 2 dalis (sudaryti 2 klasterius).</a:t>
+            </a:r>
+            <a:endParaRPr lang="LID4096" sz="2200" dirty="0"/>
+          </a:p>
+        </p:txBody>
+      </p:sp>
+    </p:spTree>
+    <p:extLst>
+      <p:ext uri="{BB962C8B-B14F-4D97-AF65-F5344CB8AC3E}">
+        <p14:creationId xmlns:p14="http://schemas.microsoft.com/office/powerpoint/2010/main" val="3205592125"/>
+      </p:ext>
+    </p:extLst>
+  </p:cSld>
+  <p:clrMapOvr>
+    <a:masterClrMapping/>
+  </p:clrMapOvr>
+</p:sld>
+</file>
+
+<file path=ppt/slides/slide24.xml><?xml version="1.0" encoding="utf-8"?>
+<p:sld xmlns:a="http://schemas.openxmlformats.org/drawingml/2006/main" xmlns:r="http://schemas.openxmlformats.org/officeDocument/2006/relationships" xmlns:p="http://schemas.openxmlformats.org/presentationml/2006/main">
+  <p:cSld>
+    <p:spTree>
+      <p:nvGrpSpPr>
+        <p:cNvPr id="1" name=""/>
+        <p:cNvGrpSpPr/>
+        <p:nvPr/>
+      </p:nvGrpSpPr>
+      <p:grpSpPr>
+        <a:xfrm>
+          <a:off x="0" y="0"/>
+          <a:ext cx="0" cy="0"/>
+          <a:chOff x="0" y="0"/>
+          <a:chExt cx="0" cy="0"/>
+        </a:xfrm>
+      </p:grpSpPr>
+      <p:sp>
+        <p:nvSpPr>
+          <p:cNvPr id="2" name="Pavadinimas 1">
+            <a:extLst>
+              <a:ext uri="{FF2B5EF4-FFF2-40B4-BE49-F238E27FC236}">
+                <a16:creationId xmlns:a16="http://schemas.microsoft.com/office/drawing/2014/main" id="{8C113B23-EAE5-4E45-9E66-FCE2CA8FEE88}"/>
+              </a:ext>
+            </a:extLst>
+          </p:cNvPr>
+          <p:cNvSpPr>
+            <a:spLocks noGrp="1"/>
+          </p:cNvSpPr>
+          <p:nvPr>
+            <p:ph type="title"/>
+          </p:nvPr>
+        </p:nvSpPr>
+        <p:spPr/>
+        <p:txBody>
+          <a:bodyPr>
+            <a:normAutofit/>
+          </a:bodyPr>
+          <a:lstStyle/>
+          <a:p>
+            <a:r>
+              <a:rPr lang="en-US" sz="2600" dirty="0" err="1">
+                <a:latin typeface="Calibri"/>
+                <a:cs typeface="Calibri"/>
+              </a:rPr>
+              <a:t>Gauti</a:t>
+            </a:r>
+            <a:r>
+              <a:rPr lang="en-US" sz="2600" dirty="0">
+                <a:latin typeface="Calibri"/>
+                <a:cs typeface="Calibri"/>
+              </a:rPr>
+              <a:t> </a:t>
+            </a:r>
+            <a:r>
+              <a:rPr lang="en-US" sz="2600" dirty="0" err="1">
+                <a:latin typeface="Calibri"/>
+                <a:cs typeface="Calibri"/>
+              </a:rPr>
+              <a:t>klasteriai</a:t>
+            </a:r>
+            <a:endParaRPr lang="LID4096" sz="2600" dirty="0"/>
+          </a:p>
+        </p:txBody>
+      </p:sp>
+      <p:pic>
+        <p:nvPicPr>
+          <p:cNvPr id="5" name="Turinio vietos rezervavimo ženklas 4">
+            <a:extLst>
+              <a:ext uri="{FF2B5EF4-FFF2-40B4-BE49-F238E27FC236}">
+                <a16:creationId xmlns:a16="http://schemas.microsoft.com/office/drawing/2014/main" id="{64D11532-5C32-423E-9BB9-3F154C927DA8}"/>
+              </a:ext>
+            </a:extLst>
+          </p:cNvPr>
+          <p:cNvPicPr>
+            <a:picLocks noGrp="1" noChangeAspect="1"/>
+          </p:cNvPicPr>
+          <p:nvPr>
+            <p:ph idx="1"/>
+          </p:nvPr>
+        </p:nvPicPr>
+        <p:blipFill>
+          <a:blip r:embed="rId2">
+            <a:extLst>
+              <a:ext uri="{28A0092B-C50C-407E-A947-70E740481C1C}">
+                <a14:useLocalDpi xmlns:a14="http://schemas.microsoft.com/office/drawing/2010/main" val="0"/>
+              </a:ext>
+            </a:extLst>
+          </a:blip>
+          <a:stretch>
+            <a:fillRect/>
+          </a:stretch>
+        </p:blipFill>
+        <p:spPr>
+          <a:xfrm>
+            <a:off x="838200" y="1972153"/>
+            <a:ext cx="10515600" cy="4058281"/>
+          </a:xfrm>
+        </p:spPr>
+      </p:pic>
+    </p:spTree>
+    <p:extLst>
+      <p:ext uri="{BB962C8B-B14F-4D97-AF65-F5344CB8AC3E}">
+        <p14:creationId xmlns:p14="http://schemas.microsoft.com/office/powerpoint/2010/main" val="4216711228"/>
+      </p:ext>
+    </p:extLst>
+  </p:cSld>
+  <p:clrMapOvr>
+    <a:masterClrMapping/>
+  </p:clrMapOvr>
+</p:sld>
+</file>
+
+<file path=ppt/slides/slide25.xml><?xml version="1.0" encoding="utf-8"?>
+<p:sld xmlns:a="http://schemas.openxmlformats.org/drawingml/2006/main" xmlns:r="http://schemas.openxmlformats.org/officeDocument/2006/relationships" xmlns:p="http://schemas.openxmlformats.org/presentationml/2006/main">
+  <p:cSld>
+    <p:spTree>
+      <p:nvGrpSpPr>
+        <p:cNvPr id="1" name=""/>
+        <p:cNvGrpSpPr/>
+        <p:nvPr/>
+      </p:nvGrpSpPr>
+      <p:grpSpPr>
+        <a:xfrm>
+          <a:off x="0" y="0"/>
+          <a:ext cx="0" cy="0"/>
+          <a:chOff x="0" y="0"/>
+          <a:chExt cx="0" cy="0"/>
+        </a:xfrm>
+      </p:grpSpPr>
+      <p:sp>
+        <p:nvSpPr>
+          <p:cNvPr id="2" name="Pavadinimas 1">
+            <a:extLst>
+              <a:ext uri="{FF2B5EF4-FFF2-40B4-BE49-F238E27FC236}">
+                <a16:creationId xmlns:a16="http://schemas.microsoft.com/office/drawing/2014/main" id="{C81D8279-3D2C-4D0C-9A25-A7C15B84D18A}"/>
+              </a:ext>
+            </a:extLst>
+          </p:cNvPr>
+          <p:cNvSpPr>
+            <a:spLocks noGrp="1"/>
+          </p:cNvSpPr>
+          <p:nvPr>
+            <p:ph type="title"/>
+          </p:nvPr>
+        </p:nvSpPr>
+        <p:spPr/>
+        <p:txBody>
+          <a:bodyPr/>
+          <a:lstStyle/>
+          <a:p>
+            <a:endParaRPr lang="LID4096"/>
+          </a:p>
+        </p:txBody>
+      </p:sp>
+      <p:sp>
+        <p:nvSpPr>
+          <p:cNvPr id="3" name="Turinio vietos rezervavimo ženklas 2">
+            <a:extLst>
+              <a:ext uri="{FF2B5EF4-FFF2-40B4-BE49-F238E27FC236}">
+                <a16:creationId xmlns:a16="http://schemas.microsoft.com/office/drawing/2014/main" id="{F0CDF745-5F84-42DC-8382-A4485AC9331A}"/>
+              </a:ext>
+            </a:extLst>
+          </p:cNvPr>
+          <p:cNvSpPr>
+            <a:spLocks noGrp="1"/>
+          </p:cNvSpPr>
+          <p:nvPr>
+            <p:ph idx="1"/>
+          </p:nvPr>
+        </p:nvSpPr>
+        <p:spPr/>
+        <p:txBody>
+          <a:bodyPr>
+            <a:normAutofit/>
+          </a:bodyPr>
+          <a:lstStyle/>
+          <a:p>
+            <a:r>
+              <a:rPr lang="lt-LT" sz="2200" dirty="0">
+                <a:cs typeface="Calibri"/>
+              </a:rPr>
+              <a:t>Gauti klasteriai stabilūs.</a:t>
+            </a:r>
+          </a:p>
+          <a:p>
+            <a:endParaRPr lang="en-US" sz="2200" dirty="0">
+              <a:cs typeface="Calibri"/>
+            </a:endParaRPr>
+          </a:p>
+          <a:p>
+            <a:r>
+              <a:rPr lang="lt-LT" sz="2200" dirty="0">
+                <a:cs typeface="Calibri"/>
+              </a:rPr>
+              <a:t>Klasteriai tik minimaliai skiriasi nuo klasterių, gautų naudojant k-</a:t>
+            </a:r>
+            <a:r>
+              <a:rPr lang="lt-LT" sz="2200" dirty="0" err="1">
+                <a:cs typeface="Calibri"/>
+              </a:rPr>
+              <a:t>means</a:t>
+            </a:r>
+            <a:r>
+              <a:rPr lang="lt-LT" sz="2200" dirty="0">
+                <a:cs typeface="Calibri"/>
+              </a:rPr>
+              <a:t> metodą pasirinkus naudoti 2 klasterius, todėl galioja tos pačios požymių tendencijos.</a:t>
+            </a:r>
+            <a:endParaRPr lang="LID4096" sz="2200" dirty="0"/>
+          </a:p>
+        </p:txBody>
+      </p:sp>
+    </p:spTree>
+    <p:extLst>
+      <p:ext uri="{BB962C8B-B14F-4D97-AF65-F5344CB8AC3E}">
+        <p14:creationId xmlns:p14="http://schemas.microsoft.com/office/powerpoint/2010/main" val="1333534392"/>
+      </p:ext>
+    </p:extLst>
+  </p:cSld>
+  <p:clrMapOvr>
+    <a:masterClrMapping/>
+  </p:clrMapOvr>
+</p:sld>
+</file>
+
+<file path=ppt/slides/slide26.xml><?xml version="1.0" encoding="utf-8"?>
+<p:sld xmlns:a="http://schemas.openxmlformats.org/drawingml/2006/main" xmlns:r="http://schemas.openxmlformats.org/officeDocument/2006/relationships" xmlns:p="http://schemas.openxmlformats.org/presentationml/2006/main">
+  <p:cSld>
+    <p:spTree>
+      <p:nvGrpSpPr>
+        <p:cNvPr id="1" name=""/>
+        <p:cNvGrpSpPr/>
+        <p:nvPr/>
+      </p:nvGrpSpPr>
+      <p:grpSpPr>
+        <a:xfrm>
+          <a:off x="0" y="0"/>
+          <a:ext cx="0" cy="0"/>
+          <a:chOff x="0" y="0"/>
+          <a:chExt cx="0" cy="0"/>
+        </a:xfrm>
+      </p:grpSpPr>
+      <p:sp>
+        <p:nvSpPr>
           <p:cNvPr id="2" name="Title 1">
             <a:extLst>
               <a:ext uri="{FF2B5EF4-FFF2-40B4-BE49-F238E27FC236}">
@@ -6048,7 +6892,7 @@
               </a:rPr>
               <a:t>Išvados</a:t>
             </a:r>
-            <a:endParaRPr lang="en-US" sz="2600">
+            <a:endParaRPr lang="en-US" sz="2600" dirty="0">
               <a:latin typeface="Calibri"/>
               <a:cs typeface="Calibri"/>
             </a:endParaRPr>
@@ -6081,6 +6925,676 @@
             <a:pPr marL="0" indent="0">
               <a:buNone/>
             </a:pPr>
+            <a:r>
+              <a:rPr lang="lt-LT" sz="2200" dirty="0">
+                <a:cs typeface="Calibri"/>
+              </a:rPr>
+              <a:t>Naudojant</a:t>
+            </a:r>
+            <a:r>
+              <a:rPr lang="en-US" sz="2200" dirty="0">
+                <a:cs typeface="Calibri"/>
+              </a:rPr>
+              <a:t> </a:t>
+            </a:r>
+            <a:r>
+              <a:rPr lang="en-US" sz="2200" dirty="0" err="1">
+                <a:cs typeface="Calibri"/>
+              </a:rPr>
+              <a:t>klasterizavimą</a:t>
+            </a:r>
+            <a:r>
+              <a:rPr lang="en-US" sz="2200" dirty="0">
+                <a:cs typeface="Calibri"/>
+              </a:rPr>
+              <a:t> k-means</a:t>
+            </a:r>
+            <a:r>
+              <a:rPr lang="lt-LT" sz="2200" dirty="0">
+                <a:cs typeface="Calibri"/>
+              </a:rPr>
+              <a:t> ir hierarchinio klasterizavimo</a:t>
+            </a:r>
+            <a:r>
+              <a:rPr lang="en-US" sz="2200" dirty="0">
+                <a:cs typeface="Calibri"/>
+              </a:rPr>
+              <a:t> </a:t>
+            </a:r>
+            <a:r>
+              <a:rPr lang="en-US" sz="2200" dirty="0" err="1">
+                <a:cs typeface="Calibri"/>
+              </a:rPr>
+              <a:t>metod</a:t>
+            </a:r>
+            <a:r>
+              <a:rPr lang="lt-LT" sz="2200" dirty="0" err="1">
+                <a:cs typeface="Calibri"/>
+              </a:rPr>
+              <a:t>ais</a:t>
+            </a:r>
+            <a:r>
+              <a:rPr lang="en-US" sz="2200" dirty="0">
+                <a:cs typeface="Calibri"/>
+              </a:rPr>
+              <a:t>, </a:t>
+            </a:r>
+            <a:r>
+              <a:rPr lang="en-US" sz="2200" dirty="0" err="1">
+                <a:cs typeface="Calibri"/>
+              </a:rPr>
+              <a:t>gautas</a:t>
+            </a:r>
+            <a:r>
+              <a:rPr lang="en-US" sz="2200" dirty="0">
+                <a:cs typeface="Calibri"/>
+              </a:rPr>
+              <a:t> </a:t>
+            </a:r>
+            <a:r>
+              <a:rPr lang="en-US" sz="2200" dirty="0" err="1">
+                <a:cs typeface="Calibri"/>
+              </a:rPr>
+              <a:t>optimalus</a:t>
+            </a:r>
+            <a:r>
+              <a:rPr lang="en-US" sz="2200" dirty="0">
+                <a:cs typeface="Calibri"/>
+              </a:rPr>
+              <a:t> </a:t>
+            </a:r>
+            <a:r>
+              <a:rPr lang="en-US" sz="2200" dirty="0" err="1">
+                <a:cs typeface="Calibri"/>
+              </a:rPr>
+              <a:t>klasterių</a:t>
+            </a:r>
+            <a:r>
+              <a:rPr lang="en-US" sz="2200" dirty="0">
+                <a:cs typeface="Calibri"/>
+              </a:rPr>
+              <a:t> </a:t>
+            </a:r>
+            <a:r>
+              <a:rPr lang="en-US" sz="2200" dirty="0" err="1">
+                <a:cs typeface="Calibri"/>
+              </a:rPr>
+              <a:t>skaičius</a:t>
+            </a:r>
+            <a:r>
+              <a:rPr lang="en-US" sz="2200" dirty="0">
+                <a:cs typeface="Calibri"/>
+              </a:rPr>
+              <a:t> k=2.</a:t>
+            </a:r>
+            <a:r>
+              <a:rPr lang="lt-LT" sz="2200" dirty="0">
+                <a:cs typeface="Calibri"/>
+              </a:rPr>
+              <a:t> Be to, abu metodai beveik visus taškus priskiria tam pačiam klasteriui.</a:t>
+            </a:r>
+            <a:endParaRPr lang="en-US" sz="2400" dirty="0"/>
+          </a:p>
+          <a:p>
+            <a:pPr marL="0" indent="0">
+              <a:buNone/>
+            </a:pPr>
+            <a:endParaRPr lang="en-US" sz="2200" dirty="0">
+              <a:cs typeface="Calibri"/>
+            </a:endParaRPr>
+          </a:p>
+          <a:p>
+            <a:pPr marL="0" indent="0">
+              <a:buNone/>
+            </a:pPr>
+            <a:r>
+              <a:rPr lang="en-US" sz="2200" dirty="0" err="1">
+                <a:cs typeface="Calibri"/>
+              </a:rPr>
+              <a:t>Galima</a:t>
+            </a:r>
+            <a:r>
+              <a:rPr lang="en-US" sz="2200" dirty="0">
+                <a:cs typeface="Calibri"/>
+              </a:rPr>
+              <a:t> </a:t>
+            </a:r>
+            <a:r>
+              <a:rPr lang="en-US" sz="2200" dirty="0" err="1">
+                <a:cs typeface="Calibri"/>
+              </a:rPr>
+              <a:t>gautų</a:t>
+            </a:r>
+            <a:r>
+              <a:rPr lang="en-US" sz="2200" dirty="0">
+                <a:cs typeface="Calibri"/>
+              </a:rPr>
+              <a:t> </a:t>
+            </a:r>
+            <a:r>
+              <a:rPr lang="en-US" sz="2200" dirty="0" err="1">
+                <a:cs typeface="Calibri"/>
+              </a:rPr>
+              <a:t>rezultatų</a:t>
+            </a:r>
+            <a:r>
+              <a:rPr lang="en-US" sz="2200" dirty="0">
+                <a:cs typeface="Calibri"/>
+              </a:rPr>
+              <a:t> </a:t>
+            </a:r>
+            <a:r>
+              <a:rPr lang="en-US" sz="2200" dirty="0" err="1">
+                <a:cs typeface="Calibri"/>
+              </a:rPr>
+              <a:t>interpretacija</a:t>
+            </a:r>
+            <a:r>
+              <a:rPr lang="en-US" sz="2200" dirty="0">
+                <a:cs typeface="Calibri"/>
+              </a:rPr>
+              <a:t>:</a:t>
+            </a:r>
+          </a:p>
+          <a:p>
+            <a:pPr marL="0" indent="0">
+              <a:buNone/>
+            </a:pPr>
+            <a:r>
+              <a:rPr lang="en-US" sz="2200" dirty="0" err="1">
+                <a:cs typeface="Calibri"/>
+              </a:rPr>
+              <a:t>Duomenų</a:t>
+            </a:r>
+            <a:r>
+              <a:rPr lang="en-US" sz="2200" dirty="0">
+                <a:cs typeface="Calibri"/>
+              </a:rPr>
+              <a:t> </a:t>
+            </a:r>
+            <a:r>
+              <a:rPr lang="en-US" sz="2200" dirty="0" err="1">
+                <a:cs typeface="Calibri"/>
+              </a:rPr>
+              <a:t>aibėje</a:t>
+            </a:r>
+            <a:r>
+              <a:rPr lang="en-US" sz="2200" dirty="0">
+                <a:cs typeface="Calibri"/>
+              </a:rPr>
+              <a:t> </a:t>
+            </a:r>
+            <a:r>
+              <a:rPr lang="en-US" sz="2200" dirty="0" err="1">
+                <a:cs typeface="Calibri"/>
+              </a:rPr>
+              <a:t>egzistuoja</a:t>
+            </a:r>
+            <a:r>
+              <a:rPr lang="en-US" sz="2200" dirty="0">
+                <a:cs typeface="Calibri"/>
+              </a:rPr>
+              <a:t> 2 </a:t>
+            </a:r>
+            <a:r>
+              <a:rPr lang="en-US" sz="2200" dirty="0" err="1">
+                <a:cs typeface="Calibri"/>
+              </a:rPr>
+              <a:t>pagrindiniai</a:t>
+            </a:r>
+            <a:r>
+              <a:rPr lang="en-US" sz="2200" dirty="0">
+                <a:cs typeface="Calibri"/>
+              </a:rPr>
+              <a:t> </a:t>
+            </a:r>
+            <a:r>
+              <a:rPr lang="en-US" sz="2200" dirty="0" err="1">
+                <a:cs typeface="Calibri"/>
+              </a:rPr>
+              <a:t>dainų</a:t>
+            </a:r>
+            <a:r>
+              <a:rPr lang="en-US" sz="2200" dirty="0">
+                <a:cs typeface="Calibri"/>
+              </a:rPr>
+              <a:t> </a:t>
+            </a:r>
+            <a:r>
+              <a:rPr lang="en-US" sz="2200" dirty="0" err="1">
+                <a:cs typeface="Calibri"/>
+              </a:rPr>
+              <a:t>tipai</a:t>
+            </a:r>
+            <a:r>
+              <a:rPr lang="lt-LT" sz="2200" dirty="0">
+                <a:cs typeface="Calibri"/>
+              </a:rPr>
+              <a:t>.</a:t>
+            </a:r>
+            <a:endParaRPr lang="en-US" sz="2200" dirty="0">
+              <a:cs typeface="Calibri"/>
+            </a:endParaRPr>
+          </a:p>
+          <a:p>
+            <a:r>
+              <a:rPr lang="en-US" sz="2200" dirty="0" err="1">
+                <a:cs typeface="Calibri"/>
+              </a:rPr>
+              <a:t>Pirmajam</a:t>
+            </a:r>
+            <a:r>
+              <a:rPr lang="en-US" sz="2200" dirty="0">
+                <a:cs typeface="Calibri"/>
+              </a:rPr>
+              <a:t> </a:t>
+            </a:r>
+            <a:r>
+              <a:rPr lang="en-US" sz="2200" dirty="0" err="1">
+                <a:cs typeface="Calibri"/>
+              </a:rPr>
+              <a:t>priklauso</a:t>
+            </a:r>
+            <a:r>
+              <a:rPr lang="en-US" sz="2200" dirty="0">
+                <a:cs typeface="Calibri"/>
+              </a:rPr>
+              <a:t> </a:t>
+            </a:r>
+            <a:r>
+              <a:rPr lang="en-US" sz="2200" dirty="0" err="1">
+                <a:cs typeface="Calibri"/>
+              </a:rPr>
+              <a:t>didesnio</a:t>
+            </a:r>
+            <a:r>
+              <a:rPr lang="en-US" sz="2200" dirty="0">
+                <a:cs typeface="Calibri"/>
+              </a:rPr>
+              <a:t> </a:t>
+            </a:r>
+            <a:r>
+              <a:rPr lang="en-US" sz="2200" dirty="0" err="1">
+                <a:cs typeface="Calibri"/>
+              </a:rPr>
+              <a:t>akustiškumo</a:t>
+            </a:r>
+            <a:r>
+              <a:rPr lang="en-US" sz="2200" dirty="0">
+                <a:cs typeface="Calibri"/>
+              </a:rPr>
+              <a:t>, </a:t>
+            </a:r>
+            <a:r>
+              <a:rPr lang="en-US" sz="2200" dirty="0" err="1">
+                <a:cs typeface="Calibri"/>
+              </a:rPr>
+              <a:t>ramesnės</a:t>
+            </a:r>
+            <a:r>
+              <a:rPr lang="en-US" sz="2200" dirty="0">
+                <a:cs typeface="Calibri"/>
+              </a:rPr>
+              <a:t> </a:t>
+            </a:r>
+            <a:r>
+              <a:rPr lang="en-US" sz="2200" dirty="0" err="1">
+                <a:cs typeface="Calibri"/>
+              </a:rPr>
+              <a:t>dainos</a:t>
+            </a:r>
+            <a:r>
+              <a:rPr lang="en-US" sz="2200" dirty="0">
+                <a:cs typeface="Calibri"/>
+              </a:rPr>
+              <a:t> (</a:t>
+            </a:r>
+            <a:r>
+              <a:rPr lang="en-US" sz="2200" dirty="0" err="1">
+                <a:cs typeface="Calibri"/>
+              </a:rPr>
+              <a:t>iš</a:t>
+            </a:r>
+            <a:r>
+              <a:rPr lang="en-US" sz="2200" dirty="0">
+                <a:cs typeface="Calibri"/>
+              </a:rPr>
+              <a:t> </a:t>
+            </a:r>
+            <a:r>
+              <a:rPr lang="en-US" sz="2200" dirty="0" err="1">
+                <a:cs typeface="Calibri"/>
+              </a:rPr>
+              <a:t>tirtų</a:t>
+            </a:r>
+            <a:r>
+              <a:rPr lang="en-US" sz="2200" dirty="0">
+                <a:cs typeface="Calibri"/>
+              </a:rPr>
+              <a:t> </a:t>
+            </a:r>
+            <a:r>
+              <a:rPr lang="en-US" sz="2200" dirty="0" err="1">
+                <a:cs typeface="Calibri"/>
+              </a:rPr>
+              <a:t>dešimtmečių</a:t>
+            </a:r>
+            <a:r>
+              <a:rPr lang="en-US" sz="2200" dirty="0">
+                <a:cs typeface="Calibri"/>
+              </a:rPr>
+              <a:t> </a:t>
+            </a:r>
+            <a:r>
+              <a:rPr lang="en-US" sz="2200" dirty="0" err="1">
+                <a:cs typeface="Calibri"/>
+              </a:rPr>
+              <a:t>šio</a:t>
+            </a:r>
+            <a:r>
+              <a:rPr lang="en-US" sz="2200" dirty="0">
+                <a:cs typeface="Calibri"/>
+              </a:rPr>
+              <a:t> </a:t>
+            </a:r>
+            <a:r>
+              <a:rPr lang="en-US" sz="2200" dirty="0" err="1">
+                <a:cs typeface="Calibri"/>
+              </a:rPr>
+              <a:t>tipo</a:t>
+            </a:r>
+            <a:r>
+              <a:rPr lang="en-US" sz="2200" dirty="0">
+                <a:cs typeface="Calibri"/>
+              </a:rPr>
+              <a:t> </a:t>
+            </a:r>
+            <a:r>
+              <a:rPr lang="en-US" sz="2200" dirty="0" err="1">
+                <a:cs typeface="Calibri"/>
+              </a:rPr>
+              <a:t>dainos</a:t>
+            </a:r>
+            <a:r>
+              <a:rPr lang="en-US" sz="2200" dirty="0">
+                <a:cs typeface="Calibri"/>
+              </a:rPr>
+              <a:t> </a:t>
+            </a:r>
+            <a:r>
+              <a:rPr lang="en-US" sz="2200" dirty="0" err="1">
+                <a:cs typeface="Calibri"/>
+              </a:rPr>
+              <a:t>buvo</a:t>
+            </a:r>
+            <a:r>
+              <a:rPr lang="en-US" sz="2200" dirty="0">
+                <a:cs typeface="Calibri"/>
+              </a:rPr>
+              <a:t> </a:t>
+            </a:r>
+            <a:r>
+              <a:rPr lang="en-US" sz="2200" dirty="0" err="1">
+                <a:cs typeface="Calibri"/>
+              </a:rPr>
+              <a:t>sukuriamos</a:t>
+            </a:r>
+            <a:r>
+              <a:rPr lang="en-US" sz="2200" dirty="0">
+                <a:cs typeface="Calibri"/>
+              </a:rPr>
+              <a:t> </a:t>
+            </a:r>
+            <a:r>
+              <a:rPr lang="en-US" sz="2200" dirty="0" err="1">
+                <a:cs typeface="Calibri"/>
+              </a:rPr>
+              <a:t>daugiausiai</a:t>
+            </a:r>
+            <a:r>
+              <a:rPr lang="en-US" sz="2200" dirty="0">
+                <a:cs typeface="Calibri"/>
+              </a:rPr>
+              <a:t> 50-aisiais),</a:t>
+            </a:r>
+          </a:p>
+          <a:p>
+            <a:r>
+              <a:rPr lang="en-US" sz="2200" dirty="0" err="1">
+                <a:cs typeface="Calibri"/>
+              </a:rPr>
+              <a:t>Antrajam</a:t>
+            </a:r>
+            <a:r>
+              <a:rPr lang="en-US" sz="2200" dirty="0">
+                <a:cs typeface="Calibri"/>
+              </a:rPr>
+              <a:t> </a:t>
+            </a:r>
+            <a:r>
+              <a:rPr lang="en-US" sz="2200" dirty="0" err="1">
+                <a:cs typeface="Calibri"/>
+              </a:rPr>
+              <a:t>priklauso</a:t>
+            </a:r>
+            <a:r>
+              <a:rPr lang="en-US" sz="2200" dirty="0">
+                <a:cs typeface="Calibri"/>
+              </a:rPr>
+              <a:t> </a:t>
+            </a:r>
+            <a:r>
+              <a:rPr lang="en-US" sz="2200" dirty="0" err="1">
+                <a:cs typeface="Calibri"/>
+              </a:rPr>
+              <a:t>energiškesnės</a:t>
+            </a:r>
+            <a:r>
+              <a:rPr lang="en-US" sz="2200" dirty="0">
+                <a:cs typeface="Calibri"/>
+              </a:rPr>
+              <a:t>, </a:t>
+            </a:r>
+            <a:r>
+              <a:rPr lang="en-US" sz="2200" dirty="0" err="1">
+                <a:cs typeface="Calibri"/>
+              </a:rPr>
+              <a:t>garsesnės</a:t>
+            </a:r>
+            <a:r>
+              <a:rPr lang="en-US" sz="2200" dirty="0">
+                <a:cs typeface="Calibri"/>
+              </a:rPr>
+              <a:t>, </a:t>
+            </a:r>
+            <a:r>
+              <a:rPr lang="en-US" sz="2200" dirty="0" err="1">
+                <a:cs typeface="Calibri"/>
+              </a:rPr>
+              <a:t>labiau</a:t>
+            </a:r>
+            <a:r>
+              <a:rPr lang="en-US" sz="2200" dirty="0">
+                <a:cs typeface="Calibri"/>
+              </a:rPr>
+              <a:t> </a:t>
+            </a:r>
+            <a:r>
+              <a:rPr lang="en-US" sz="2200" dirty="0" err="1">
+                <a:cs typeface="Calibri"/>
+              </a:rPr>
+              <a:t>tinkamos</a:t>
+            </a:r>
+            <a:r>
+              <a:rPr lang="en-US" sz="2200" dirty="0">
+                <a:cs typeface="Calibri"/>
+              </a:rPr>
+              <a:t> </a:t>
+            </a:r>
+            <a:r>
+              <a:rPr lang="en-US" sz="2200" dirty="0" err="1">
+                <a:cs typeface="Calibri"/>
+              </a:rPr>
+              <a:t>šokti</a:t>
+            </a:r>
+            <a:r>
+              <a:rPr lang="en-US" sz="2200" dirty="0">
+                <a:cs typeface="Calibri"/>
+              </a:rPr>
+              <a:t> </a:t>
+            </a:r>
+            <a:r>
+              <a:rPr lang="en-US" sz="2200" dirty="0" err="1">
+                <a:cs typeface="Calibri"/>
+              </a:rPr>
+              <a:t>dainos</a:t>
+            </a:r>
+            <a:r>
+              <a:rPr lang="en-US" sz="2200" dirty="0">
+                <a:cs typeface="Calibri"/>
+              </a:rPr>
+              <a:t>  (</a:t>
+            </a:r>
+            <a:r>
+              <a:rPr lang="en-US" sz="2200" dirty="0" err="1">
+                <a:cs typeface="Calibri"/>
+              </a:rPr>
+              <a:t>šios</a:t>
+            </a:r>
+            <a:r>
+              <a:rPr lang="en-US" sz="2200" dirty="0">
+                <a:cs typeface="Calibri"/>
+              </a:rPr>
+              <a:t> </a:t>
+            </a:r>
+            <a:r>
+              <a:rPr lang="en-US" sz="2200" dirty="0" err="1">
+                <a:cs typeface="Calibri"/>
+              </a:rPr>
+              <a:t>dainos</a:t>
+            </a:r>
+            <a:r>
+              <a:rPr lang="en-US" sz="2200" dirty="0">
+                <a:cs typeface="Calibri"/>
+              </a:rPr>
+              <a:t> </a:t>
+            </a:r>
+            <a:r>
+              <a:rPr lang="en-US" sz="2200" dirty="0" err="1">
+                <a:cs typeface="Calibri"/>
+              </a:rPr>
+              <a:t>buvo</a:t>
+            </a:r>
+            <a:r>
+              <a:rPr lang="en-US" sz="2200" dirty="0">
+                <a:cs typeface="Calibri"/>
+              </a:rPr>
+              <a:t> </a:t>
+            </a:r>
+            <a:r>
+              <a:rPr lang="en-US" sz="2200" dirty="0" err="1">
+                <a:cs typeface="Calibri"/>
+              </a:rPr>
+              <a:t>sukuriamos</a:t>
+            </a:r>
+            <a:r>
+              <a:rPr lang="en-US" sz="2200" dirty="0">
+                <a:cs typeface="Calibri"/>
+              </a:rPr>
+              <a:t>  80-aisiais </a:t>
+            </a:r>
+            <a:r>
+              <a:rPr lang="en-US" sz="2200" dirty="0" err="1">
+                <a:cs typeface="Calibri"/>
+              </a:rPr>
+              <a:t>ir</a:t>
+            </a:r>
+            <a:r>
+              <a:rPr lang="en-US" sz="2200" dirty="0">
+                <a:cs typeface="Calibri"/>
+              </a:rPr>
+              <a:t> 2010-aisias).</a:t>
+            </a:r>
+          </a:p>
+          <a:p>
+            <a:r>
+              <a:rPr lang="en-US" sz="2200" dirty="0">
+                <a:cs typeface="Calibri"/>
+              </a:rPr>
+              <a:t>Spotify </a:t>
+            </a:r>
+            <a:r>
+              <a:rPr lang="en-US" sz="2200" dirty="0" err="1">
+                <a:cs typeface="Calibri"/>
+              </a:rPr>
+              <a:t>vartotojai</a:t>
+            </a:r>
+            <a:r>
+              <a:rPr lang="en-US" sz="2200" dirty="0">
+                <a:cs typeface="Calibri"/>
+              </a:rPr>
+              <a:t> </a:t>
+            </a:r>
+            <a:r>
+              <a:rPr lang="en-US" sz="2200" dirty="0" err="1">
+                <a:cs typeface="Calibri"/>
+              </a:rPr>
+              <a:t>dažniau</a:t>
+            </a:r>
+            <a:r>
+              <a:rPr lang="en-US" sz="2200" dirty="0">
+                <a:cs typeface="Calibri"/>
+              </a:rPr>
+              <a:t> </a:t>
+            </a:r>
+            <a:r>
+              <a:rPr lang="en-US" sz="2200" dirty="0" err="1">
+                <a:cs typeface="Calibri"/>
+              </a:rPr>
+              <a:t>klausosi</a:t>
+            </a:r>
+            <a:r>
+              <a:rPr lang="en-US" sz="2200" dirty="0">
+                <a:cs typeface="Calibri"/>
+              </a:rPr>
+              <a:t> </a:t>
+            </a:r>
+            <a:r>
+              <a:rPr lang="en-US" sz="2200" dirty="0" err="1">
+                <a:cs typeface="Calibri"/>
+              </a:rPr>
+              <a:t>antrojo</a:t>
+            </a:r>
+            <a:r>
+              <a:rPr lang="en-US" sz="2200" dirty="0">
+                <a:cs typeface="Calibri"/>
+              </a:rPr>
+              <a:t> </a:t>
+            </a:r>
+            <a:r>
+              <a:rPr lang="en-US" sz="2200" dirty="0" err="1">
+                <a:cs typeface="Calibri"/>
+              </a:rPr>
+              <a:t>dainų</a:t>
+            </a:r>
+            <a:r>
+              <a:rPr lang="en-US" sz="2200" dirty="0">
+                <a:cs typeface="Calibri"/>
+              </a:rPr>
+              <a:t> </a:t>
+            </a:r>
+            <a:r>
+              <a:rPr lang="en-US" sz="2200" dirty="0" err="1">
+                <a:cs typeface="Calibri"/>
+              </a:rPr>
+              <a:t>tipo</a:t>
+            </a:r>
+            <a:r>
+              <a:rPr lang="lt-LT" sz="2200" dirty="0">
+                <a:cs typeface="Calibri"/>
+              </a:rPr>
+              <a:t> dainų.</a:t>
+            </a:r>
             <a:endParaRPr lang="en-US" sz="2200" dirty="0">
               <a:cs typeface="Calibri"/>
             </a:endParaRPr>
@@ -6276,7 +7790,15 @@
             </a:r>
             <a:r>
               <a:rPr lang="en-US" sz="2200" dirty="0"/>
-              <a:t> k=2 </a:t>
+              <a:t> </a:t>
+            </a:r>
+            <a:r>
+              <a:rPr lang="lt-LT" sz="2200" dirty="0"/>
+              <a:t>n</a:t>
+            </a:r>
+            <a:r>
+              <a:rPr lang="en-US" sz="2200" dirty="0"/>
+              <a:t>=2 </a:t>
             </a:r>
             <a:r>
               <a:rPr lang="en-US" sz="2200" dirty="0" err="1"/>
@@ -6362,7 +7884,19 @@
               <a:rPr lang="en-US" sz="2200" dirty="0">
                 <a:cs typeface="Calibri"/>
               </a:rPr>
-              <a:t> (k=10) </a:t>
+              <a:t> (</a:t>
+            </a:r>
+            <a:r>
+              <a:rPr lang="lt-LT" sz="2200" dirty="0">
+                <a:cs typeface="Calibri"/>
+              </a:rPr>
+              <a:t>n</a:t>
+            </a:r>
+            <a:r>
+              <a:rPr lang="en-US" sz="2200" dirty="0">
+                <a:cs typeface="Calibri"/>
+              </a:rPr>
+              <a:t>=10) </a:t>
             </a:r>
             <a:r>
               <a:rPr lang="en-US" sz="2200" dirty="0" err="1">
@@ -6410,7 +7944,19 @@
               <a:rPr lang="en-US" sz="2200" dirty="0">
                 <a:cs typeface="Calibri"/>
               </a:rPr>
-              <a:t> (k=2) </a:t>
+              <a:t> (</a:t>
+            </a:r>
+            <a:r>
+              <a:rPr lang="lt-LT" sz="2200" dirty="0">
+                <a:cs typeface="Calibri"/>
+              </a:rPr>
+              <a:t>n</a:t>
+            </a:r>
+            <a:r>
+              <a:rPr lang="en-US" sz="2200" dirty="0">
+                <a:cs typeface="Calibri"/>
+              </a:rPr>
+              <a:t>=2) </a:t>
             </a:r>
             <a:r>
               <a:rPr lang="en-US" sz="2200" dirty="0" err="1">
@@ -6601,7 +8147,7 @@
               </a:rPr>
               <a:t>metodas</a:t>
             </a:r>
-            <a:endParaRPr lang="en-US" sz="2600">
+            <a:endParaRPr lang="en-US" sz="2600" dirty="0">
               <a:latin typeface="Calibri"/>
               <a:cs typeface="Calibri"/>
             </a:endParaRPr>
@@ -6970,7 +8516,7 @@
               </a:rPr>
               <a:t>klasteriai</a:t>
             </a:r>
-            <a:endParaRPr lang="en-US" sz="2600">
+            <a:endParaRPr lang="en-US" sz="2600" dirty="0">
               <a:latin typeface="Calibri"/>
               <a:cs typeface="Calibri"/>
             </a:endParaRPr>
@@ -7376,7 +8922,7 @@
               </a:rPr>
               <a:t>metodas</a:t>
             </a:r>
-            <a:endParaRPr lang="en-US" sz="2600">
+            <a:endParaRPr lang="en-US" sz="2600" dirty="0">
               <a:latin typeface="Calibri"/>
               <a:cs typeface="Calibri Light"/>
             </a:endParaRPr>

--- a/Lab_3/Pristatymas.pptx
+++ b/Lab_3/Pristatymas.pptx
@@ -4568,7 +4568,7 @@
         <p:spPr>
           <a:xfrm>
             <a:off x="612019" y="2184400"/>
-            <a:ext cx="2743200" cy="3139321"/>
+            <a:ext cx="2743200" cy="2462213"/>
           </a:xfrm>
           <a:prstGeom prst="rect">
             <a:avLst/>
@@ -4601,83 +4601,70 @@
               <a:t>tendencija</a:t>
             </a:r>
             <a:r>
-              <a:rPr lang="en-US" sz="2200" dirty="0"/>
-              <a:t> </a:t>
-            </a:r>
-            <a:endParaRPr lang="en-US"/>
-          </a:p>
-          <a:p>
-            <a:r>
-              <a:rPr lang="en-US" sz="2200" dirty="0" err="1"/>
-              <a:t>klasteriuose</a:t>
-            </a:r>
-            <a:r>
-              <a:rPr lang="en-US" sz="2200" dirty="0"/>
+              <a:rPr lang="lt-LT" sz="2200" dirty="0"/>
+              <a:t> yra </a:t>
+            </a:r>
+            <a:r>
+              <a:rPr lang="lt-LT" sz="2200" dirty="0">
+                <a:cs typeface="Calibri"/>
+              </a:rPr>
+              <a:t>pagal a</a:t>
+            </a:r>
+            <a:r>
+              <a:rPr lang="en-US" sz="2200" dirty="0" err="1">
+                <a:cs typeface="Calibri"/>
+              </a:rPr>
+              <a:t>kustiškum</a:t>
+            </a:r>
+            <a:r>
+              <a:rPr lang="lt-LT" sz="2200" dirty="0">
+                <a:cs typeface="Calibri"/>
+              </a:rPr>
+              <a:t>ą </a:t>
+            </a:r>
+            <a:r>
+              <a:rPr lang="en-US" sz="2200" dirty="0" err="1">
+                <a:cs typeface="Calibri"/>
+              </a:rPr>
+              <a:t>ir</a:t>
+            </a:r>
+            <a:r>
+              <a:rPr lang="en-US" sz="2200" dirty="0">
+                <a:cs typeface="Calibri"/>
+              </a:rPr>
+              <a:t> </a:t>
+            </a:r>
+            <a:r>
+              <a:rPr lang="en-US" sz="2200" dirty="0" err="1">
+                <a:cs typeface="Calibri"/>
+              </a:rPr>
+              <a:t>energij</a:t>
+            </a:r>
+            <a:r>
+              <a:rPr lang="lt-LT" sz="2200" dirty="0">
+                <a:cs typeface="Calibri"/>
+              </a:rPr>
+              <a:t>ą</a:t>
+            </a:r>
+            <a:r>
+              <a:rPr lang="en-US" sz="2200" dirty="0">
+                <a:cs typeface="Calibri"/>
+              </a:rPr>
               <a:t>:</a:t>
             </a:r>
-            <a:endParaRPr lang="en-US" dirty="0"/>
-          </a:p>
-          <a:p>
-            <a:endParaRPr lang="en-US" sz="2200" dirty="0">
-              <a:cs typeface="Calibri"/>
-            </a:endParaRPr>
-          </a:p>
-          <a:p>
-            <a:r>
-              <a:rPr lang="en-US" sz="2200" dirty="0" err="1">
-                <a:cs typeface="Calibri"/>
-              </a:rPr>
-              <a:t>Akustiškumo</a:t>
-            </a:r>
-            <a:r>
-              <a:rPr lang="en-US" sz="2200" dirty="0">
-                <a:cs typeface="Calibri"/>
-              </a:rPr>
-              <a:t> </a:t>
-            </a:r>
-            <a:r>
-              <a:rPr lang="en-US" sz="2200" dirty="0" err="1">
-                <a:cs typeface="Calibri"/>
-              </a:rPr>
-              <a:t>ir</a:t>
-            </a:r>
-            <a:r>
-              <a:rPr lang="en-US" sz="2200" dirty="0">
-                <a:cs typeface="Calibri"/>
-              </a:rPr>
-              <a:t> </a:t>
-            </a:r>
-            <a:r>
-              <a:rPr lang="en-US" sz="2200" dirty="0" err="1">
-                <a:cs typeface="Calibri"/>
-              </a:rPr>
-              <a:t>energijos</a:t>
-            </a:r>
-            <a:r>
-              <a:rPr lang="en-US" sz="2200" dirty="0">
-                <a:cs typeface="Calibri"/>
-              </a:rPr>
-              <a:t> </a:t>
-            </a:r>
-            <a:r>
-              <a:rPr lang="en-US" sz="2200" dirty="0" err="1">
-                <a:cs typeface="Calibri"/>
-              </a:rPr>
-              <a:t>dichotomija</a:t>
-            </a:r>
-            <a:r>
-              <a:rPr lang="en-US" sz="2200" dirty="0">
-                <a:cs typeface="Calibri"/>
-              </a:rPr>
-              <a:t>:</a:t>
-            </a:r>
-          </a:p>
-          <a:p>
-            <a:r>
-              <a:rPr lang="en-US" sz="2200" dirty="0" err="1">
-                <a:cs typeface="Calibri"/>
-              </a:rPr>
-              <a:t>Vienam</a:t>
+          </a:p>
+          <a:p>
+            <a:r>
+              <a:rPr lang="lt-LT" sz="2200" dirty="0">
+                <a:cs typeface="Calibri"/>
+              </a:rPr>
+              <a:t>v</a:t>
+            </a:r>
+            <a:r>
+              <a:rPr lang="en-US" sz="2200" dirty="0" err="1">
+                <a:cs typeface="Calibri"/>
+              </a:rPr>
+              <a:t>ienam</a:t>
             </a:r>
             <a:r>
               <a:rPr lang="en-US" sz="2200" dirty="0">
@@ -4716,6 +4703,12 @@
               <a:t>vieno</a:t>
             </a:r>
             <a:r>
+              <a:rPr lang="lt-LT" sz="2200" dirty="0">
+                <a:cs typeface="Calibri"/>
+              </a:rPr>
+              <a:t> požymio reikšmės</a:t>
+            </a:r>
+            <a:r>
               <a:rPr lang="en-US" sz="2200" dirty="0">
                 <a:cs typeface="Calibri"/>
               </a:rPr>
@@ -4728,40 +4721,28 @@
               <a:t>kitam</a:t>
             </a:r>
             <a:r>
-              <a:rPr lang="en-US" sz="2200" dirty="0">
-                <a:cs typeface="Calibri"/>
-              </a:rPr>
-              <a:t> – </a:t>
+              <a:rPr lang="lt-LT" sz="2200" dirty="0">
+                <a:cs typeface="Calibri"/>
+              </a:rPr>
+              <a:t>e</a:t>
+            </a:r>
+            <a:r>
+              <a:rPr lang="en-US" sz="2200" dirty="0">
+                <a:cs typeface="Calibri"/>
+              </a:rPr>
+              <a:t> </a:t>
+            </a:r>
+            <a:r>
+              <a:rPr lang="lt-LT" sz="2200" dirty="0">
+                <a:cs typeface="Calibri"/>
+              </a:rPr>
+              <a:t>- </a:t>
             </a:r>
             <a:r>
               <a:rPr lang="en-US" sz="2200" dirty="0" err="1">
                 <a:cs typeface="Calibri"/>
               </a:rPr>
               <a:t>kito</a:t>
-            </a:r>
-            <a:r>
-              <a:rPr lang="en-US" sz="2200" dirty="0">
-                <a:cs typeface="Calibri"/>
-              </a:rPr>
-              <a:t> po </a:t>
-            </a:r>
-            <a:r>
-              <a:rPr lang="en-US" sz="2200" dirty="0" err="1">
-                <a:cs typeface="Calibri"/>
-              </a:rPr>
-              <a:t>požymio</a:t>
-            </a:r>
-            <a:r>
-              <a:rPr lang="en-US" sz="2200" dirty="0">
-                <a:cs typeface="Calibri"/>
-              </a:rPr>
-              <a:t> </a:t>
-            </a:r>
-            <a:r>
-              <a:rPr lang="en-US" sz="2200" dirty="0" err="1">
-                <a:cs typeface="Calibri"/>
-              </a:rPr>
-              <a:t>reikšmės</a:t>
             </a:r>
             <a:r>
               <a:rPr lang="en-US" sz="2200" dirty="0">
@@ -6600,7 +6581,7 @@
             </a:r>
             <a:r>
               <a:rPr lang="lt-LT" sz="2200" dirty="0"/>
-              <a:t> pasirinkta duomenų aibę dalinti į 2 dalis (sudaryti 2 klasterius).</a:t>
+              <a:t> pasirinkta duomenų aibę dalinti į 2 dalis.</a:t>
             </a:r>
             <a:endParaRPr lang="LID4096" sz="2200" dirty="0"/>
           </a:p>
@@ -6826,7 +6807,7 @@
               <a:rPr lang="lt-LT" sz="2200" dirty="0">
                 <a:cs typeface="Calibri"/>
               </a:rPr>
-              <a:t> metodą pasirinkus naudoti 2 klasterius, todėl galioja tos pačios požymių tendencijos.</a:t>
+              <a:t> metodą su k=2, todėl laikoma, kad galioja prieš tai nagrinėtos požymių tendencijos.</a:t>
             </a:r>
             <a:endParaRPr lang="LID4096" sz="2200" dirty="0"/>
           </a:p>
@@ -7833,19 +7814,7 @@
               <a:t>Klasterizuota</a:t>
             </a:r>
             <a:r>
-              <a:rPr lang="en-US" sz="2200" dirty="0">
-                <a:cs typeface="Calibri"/>
-              </a:rPr>
-              <a:t> k-means </a:t>
-            </a:r>
-            <a:r>
-              <a:rPr lang="en-US" sz="2200" dirty="0" err="1">
-                <a:cs typeface="Calibri"/>
-              </a:rPr>
-              <a:t>metodu</a:t>
-            </a:r>
-            <a:r>
-              <a:rPr lang="en-US" sz="2200" dirty="0">
+              <a:rPr lang="lt-LT" sz="2200" dirty="0">
                 <a:cs typeface="Calibri"/>
               </a:rPr>
               <a:t> </a:t>
@@ -8061,7 +8030,7 @@
             </a:pPr>
             <a:r>
               <a:rPr lang="lt-LT" sz="3400" dirty="0"/>
-              <a:t>k-vidurkių (k-</a:t>
+              <a:t>k-</a:t>
             </a:r>
             <a:r>
               <a:rPr lang="lt-LT" sz="3400" dirty="0" err="1"/>
@@ -8069,7 +8038,7 @@
             </a:r>
             <a:r>
               <a:rPr lang="lt-LT" sz="3400" dirty="0"/>
-              <a:t>) metodas</a:t>
+              <a:t> metodas</a:t>
             </a:r>
             <a:endParaRPr lang="LID4096" sz="3400" dirty="0"/>
           </a:p>
@@ -8292,132 +8261,13 @@
           <a:lstStyle/>
           <a:p>
             <a:r>
-              <a:rPr lang="lt" sz="2200" dirty="0" err="1">
-                <a:ea typeface="+mn-lt"/>
-                <a:cs typeface="+mn-lt"/>
-              </a:rPr>
-              <a:t>Euklidinių</a:t>
-            </a:r>
-            <a:r>
               <a:rPr lang="lt" sz="2200" dirty="0">
                 <a:ea typeface="+mn-lt"/>
                 <a:cs typeface="+mn-lt"/>
               </a:rPr>
-              <a:t> atstumų nuo klasterio vidurkio taško kvadratų sumos (</a:t>
-            </a:r>
-            <a:r>
-              <a:rPr lang="lt" sz="2200" dirty="0" err="1">
-                <a:ea typeface="+mn-lt"/>
-                <a:cs typeface="+mn-lt"/>
-              </a:rPr>
-              <a:t>within</a:t>
-            </a:r>
-            <a:r>
-              <a:rPr lang="lt" sz="2200" dirty="0">
-                <a:ea typeface="+mn-lt"/>
-                <a:cs typeface="+mn-lt"/>
-              </a:rPr>
-              <a:t> </a:t>
-            </a:r>
-            <a:r>
-              <a:rPr lang="lt" sz="2200" dirty="0" err="1">
-                <a:ea typeface="+mn-lt"/>
-                <a:cs typeface="+mn-lt"/>
-              </a:rPr>
-              <a:t>cluster</a:t>
-            </a:r>
-            <a:r>
-              <a:rPr lang="lt" sz="2200" dirty="0">
-                <a:ea typeface="+mn-lt"/>
-                <a:cs typeface="+mn-lt"/>
-              </a:rPr>
-              <a:t> </a:t>
-            </a:r>
-            <a:r>
-              <a:rPr lang="lt" sz="2200" dirty="0" err="1">
-                <a:ea typeface="+mn-lt"/>
-                <a:cs typeface="+mn-lt"/>
-              </a:rPr>
-              <a:t>sum</a:t>
-            </a:r>
-            <a:r>
-              <a:rPr lang="lt" sz="2200" dirty="0">
-                <a:ea typeface="+mn-lt"/>
-                <a:cs typeface="+mn-lt"/>
-              </a:rPr>
-              <a:t> </a:t>
-            </a:r>
-            <a:r>
-              <a:rPr lang="lt" sz="2200" dirty="0" err="1">
-                <a:ea typeface="+mn-lt"/>
-                <a:cs typeface="+mn-lt"/>
-              </a:rPr>
-              <a:t>of</a:t>
-            </a:r>
-            <a:r>
-              <a:rPr lang="lt" sz="2200" dirty="0">
-                <a:ea typeface="+mn-lt"/>
-                <a:cs typeface="+mn-lt"/>
-              </a:rPr>
-              <a:t> </a:t>
-            </a:r>
-            <a:r>
-              <a:rPr lang="lt" sz="2200" dirty="0" err="1">
-                <a:ea typeface="+mn-lt"/>
-                <a:cs typeface="+mn-lt"/>
-              </a:rPr>
-              <a:t>squares</a:t>
-            </a:r>
-            <a:r>
-              <a:rPr lang="lt" sz="2200" dirty="0">
-                <a:ea typeface="+mn-lt"/>
-                <a:cs typeface="+mn-lt"/>
-              </a:rPr>
-              <a:t>, </a:t>
-            </a:r>
-            <a:r>
-              <a:rPr lang="lt" sz="2200" dirty="0" err="1">
-                <a:ea typeface="+mn-lt"/>
-                <a:cs typeface="+mn-lt"/>
-              </a:rPr>
-              <a:t>scikit-learn</a:t>
-            </a:r>
-            <a:r>
-              <a:rPr lang="lt" sz="2200" dirty="0">
-                <a:ea typeface="+mn-lt"/>
-                <a:cs typeface="+mn-lt"/>
-              </a:rPr>
-              <a:t> vadinama "</a:t>
-            </a:r>
-            <a:r>
-              <a:rPr lang="lt" sz="2200" dirty="0" err="1">
-                <a:ea typeface="+mn-lt"/>
-                <a:cs typeface="+mn-lt"/>
-              </a:rPr>
-              <a:t>distortion</a:t>
-            </a:r>
-            <a:r>
-              <a:rPr lang="lt" sz="2200" dirty="0">
-                <a:ea typeface="+mn-lt"/>
-                <a:cs typeface="+mn-lt"/>
-              </a:rPr>
-              <a:t>") alkūnės grafike nėra </a:t>
-            </a:r>
-            <a:r>
-              <a:rPr lang="lt" sz="2200" dirty="0" err="1">
-                <a:ea typeface="+mn-lt"/>
-                <a:cs typeface="+mn-lt"/>
-              </a:rPr>
-              <a:t>aiškkių</a:t>
-            </a:r>
-            <a:r>
-              <a:rPr lang="lt" sz="2200" dirty="0">
-                <a:ea typeface="+mn-lt"/>
-                <a:cs typeface="+mn-lt"/>
-              </a:rPr>
-              <a:t> linkio taškų.</a:t>
-            </a:r>
-            <a:endParaRPr lang="en-US" sz="2200">
+              <a:t>Euklidinių atstumų nuo klasterio vidurkio taško kvadratų sumos (within cluster sum of squares, scikit-learn vadinama "distortion") alkūnės grafike nėra aiškių linkio taškų.</a:t>
+            </a:r>
+            <a:endParaRPr lang="en-US" sz="2200" dirty="0">
               <a:ea typeface="+mn-lt"/>
               <a:cs typeface="+mn-lt"/>
             </a:endParaRPr>
